--- a/docs/diagrams/UndoRedoSequenceDiagram.pptx
+++ b/docs/diagrams/UndoRedoSequenceDiagram.pptx
@@ -126,10 +126,6 @@
 </p:presentation>
 </file>
 
-<file path=ppt/revisionInfo.xml><?xml version="1.0" encoding="utf-8"?>
-<p1510:revInfo xmlns:a="http://schemas.openxmlformats.org/drawingml/2006/main" xmlns:r="http://schemas.openxmlformats.org/officeDocument/2006/relationships" xmlns:p1510="http://schemas.microsoft.com/office/powerpoint/2015/10/main"/>
-</file>
-
 <file path=ppt/notesMasters/notesMaster1.xml><?xml version="1.0" encoding="utf-8"?>
 <p:notesMaster xmlns:a="http://schemas.openxmlformats.org/drawingml/2006/main" xmlns:r="http://schemas.openxmlformats.org/officeDocument/2006/relationships" xmlns:p="http://schemas.openxmlformats.org/presentationml/2006/main">
   <p:cSld>
@@ -212,7 +208,7 @@
           <a:p>
             <a:fld id="{F5CC4B3F-88C1-4FFA-B1B6-F41C21DC6924}" type="datetimeFigureOut">
               <a:rPr lang="en-US" smtClean="0"/>
-              <a:t>7/6/2018</a:t>
+              <a:t>9/28/18</a:t>
             </a:fld>
             <a:endParaRPr lang="en-US"/>
           </a:p>
@@ -658,7 +654,7 @@
           <a:p>
             <a:fld id="{78C97017-6FC3-485B-9764-EAC9E56C1D49}" type="datetimeFigureOut">
               <a:rPr lang="en-US" smtClean="0"/>
-              <a:t>7/6/2018</a:t>
+              <a:t>9/28/18</a:t>
             </a:fld>
             <a:endParaRPr lang="en-US"/>
           </a:p>
@@ -826,7 +822,7 @@
           <a:p>
             <a:fld id="{78C97017-6FC3-485B-9764-EAC9E56C1D49}" type="datetimeFigureOut">
               <a:rPr lang="en-US" smtClean="0"/>
-              <a:t>7/6/2018</a:t>
+              <a:t>9/28/18</a:t>
             </a:fld>
             <a:endParaRPr lang="en-US"/>
           </a:p>
@@ -1004,7 +1000,7 @@
           <a:p>
             <a:fld id="{78C97017-6FC3-485B-9764-EAC9E56C1D49}" type="datetimeFigureOut">
               <a:rPr lang="en-US" smtClean="0"/>
-              <a:t>7/6/2018</a:t>
+              <a:t>9/28/18</a:t>
             </a:fld>
             <a:endParaRPr lang="en-US"/>
           </a:p>
@@ -1172,7 +1168,7 @@
           <a:p>
             <a:fld id="{78C97017-6FC3-485B-9764-EAC9E56C1D49}" type="datetimeFigureOut">
               <a:rPr lang="en-US" smtClean="0"/>
-              <a:t>7/6/2018</a:t>
+              <a:t>9/28/18</a:t>
             </a:fld>
             <a:endParaRPr lang="en-US"/>
           </a:p>
@@ -1417,7 +1413,7 @@
           <a:p>
             <a:fld id="{78C97017-6FC3-485B-9764-EAC9E56C1D49}" type="datetimeFigureOut">
               <a:rPr lang="en-US" smtClean="0"/>
-              <a:t>7/6/2018</a:t>
+              <a:t>9/28/18</a:t>
             </a:fld>
             <a:endParaRPr lang="en-US"/>
           </a:p>
@@ -1702,7 +1698,7 @@
           <a:p>
             <a:fld id="{78C97017-6FC3-485B-9764-EAC9E56C1D49}" type="datetimeFigureOut">
               <a:rPr lang="en-US" smtClean="0"/>
-              <a:t>7/6/2018</a:t>
+              <a:t>9/28/18</a:t>
             </a:fld>
             <a:endParaRPr lang="en-US"/>
           </a:p>
@@ -2121,7 +2117,7 @@
           <a:p>
             <a:fld id="{78C97017-6FC3-485B-9764-EAC9E56C1D49}" type="datetimeFigureOut">
               <a:rPr lang="en-US" smtClean="0"/>
-              <a:t>7/6/2018</a:t>
+              <a:t>9/28/18</a:t>
             </a:fld>
             <a:endParaRPr lang="en-US"/>
           </a:p>
@@ -2238,7 +2234,7 @@
           <a:p>
             <a:fld id="{78C97017-6FC3-485B-9764-EAC9E56C1D49}" type="datetimeFigureOut">
               <a:rPr lang="en-US" smtClean="0"/>
-              <a:t>7/6/2018</a:t>
+              <a:t>9/28/18</a:t>
             </a:fld>
             <a:endParaRPr lang="en-US"/>
           </a:p>
@@ -2333,7 +2329,7 @@
           <a:p>
             <a:fld id="{78C97017-6FC3-485B-9764-EAC9E56C1D49}" type="datetimeFigureOut">
               <a:rPr lang="en-US" smtClean="0"/>
-              <a:t>7/6/2018</a:t>
+              <a:t>9/28/18</a:t>
             </a:fld>
             <a:endParaRPr lang="en-US"/>
           </a:p>
@@ -2608,7 +2604,7 @@
           <a:p>
             <a:fld id="{78C97017-6FC3-485B-9764-EAC9E56C1D49}" type="datetimeFigureOut">
               <a:rPr lang="en-US" smtClean="0"/>
-              <a:t>7/6/2018</a:t>
+              <a:t>9/28/18</a:t>
             </a:fld>
             <a:endParaRPr lang="en-US"/>
           </a:p>
@@ -2860,7 +2856,7 @@
           <a:p>
             <a:fld id="{78C97017-6FC3-485B-9764-EAC9E56C1D49}" type="datetimeFigureOut">
               <a:rPr lang="en-US" smtClean="0"/>
-              <a:t>7/6/2018</a:t>
+              <a:t>9/28/18</a:t>
             </a:fld>
             <a:endParaRPr lang="en-US"/>
           </a:p>
@@ -3071,7 +3067,7 @@
           <a:p>
             <a:fld id="{78C97017-6FC3-485B-9764-EAC9E56C1D49}" type="datetimeFigureOut">
               <a:rPr lang="en-US" smtClean="0"/>
-              <a:t>7/6/2018</a:t>
+              <a:t>9/28/18</a:t>
             </a:fld>
             <a:endParaRPr lang="en-US"/>
           </a:p>
@@ -3770,8 +3766,21 @@
                   <a:schemeClr val="bg1"/>
                 </a:solidFill>
               </a:rPr>
-              <a:t>:Address</a:t>
-            </a:r>
+              <a:t>:</a:t>
+            </a:r>
+            <a:r>
+              <a:rPr lang="en-US" altLang="zh-CN" sz="1600" dirty="0">
+                <a:solidFill>
+                  <a:schemeClr val="bg1"/>
+                </a:solidFill>
+              </a:rPr>
+              <a:t>Forum</a:t>
+            </a:r>
+            <a:endParaRPr lang="en-US" sz="1600" dirty="0">
+              <a:solidFill>
+                <a:schemeClr val="bg1"/>
+              </a:solidFill>
+            </a:endParaRPr>
           </a:p>
           <a:p>
             <a:pPr algn="ctr"/>
@@ -4322,12 +4331,20 @@
               <a:t>undo</a:t>
             </a:r>
             <a:r>
+              <a:rPr lang="en-US" altLang="zh-CN" sz="1200" dirty="0" err="1">
+                <a:solidFill>
+                  <a:srgbClr val="7030A0"/>
+                </a:solidFill>
+              </a:rPr>
+              <a:t>Forum</a:t>
+            </a:r>
+            <a:r>
               <a:rPr lang="en-US" sz="1200" dirty="0" err="1">
                 <a:solidFill>
                   <a:srgbClr val="7030A0"/>
                 </a:solidFill>
               </a:rPr>
-              <a:t>AddressBook</a:t>
+              <a:t>Book</a:t>
             </a:r>
             <a:r>
               <a:rPr lang="en-US" sz="1200" dirty="0">
@@ -4522,7 +4539,23 @@
                   <a:schemeClr val="bg1"/>
                 </a:solidFill>
               </a:rPr>
-              <a:t>VersionedAddressBook</a:t>
+              <a:t>Versioned</a:t>
+            </a:r>
+            <a:r>
+              <a:rPr lang="en-US" altLang="zh-CN" sz="1600" dirty="0" err="1">
+                <a:solidFill>
+                  <a:schemeClr val="bg1"/>
+                </a:solidFill>
+              </a:rPr>
+              <a:t>Forum</a:t>
+            </a:r>
+            <a:r>
+              <a:rPr lang="en-US" sz="1600" dirty="0" err="1">
+                <a:solidFill>
+                  <a:schemeClr val="bg1"/>
+                </a:solidFill>
+              </a:rPr>
+              <a:t>Book</a:t>
             </a:r>
             <a:endParaRPr lang="en-SG" sz="1600" dirty="0">
               <a:solidFill>
@@ -5104,7 +5137,23 @@
                   <a:srgbClr val="7030A0"/>
                 </a:solidFill>
               </a:rPr>
-              <a:t>ReadOnlyAddressBook</a:t>
+              <a:t>ReadOnly</a:t>
+            </a:r>
+            <a:r>
+              <a:rPr lang="en-US" altLang="zh-CN" sz="1200" dirty="0" err="1">
+                <a:solidFill>
+                  <a:srgbClr val="7030A0"/>
+                </a:solidFill>
+              </a:rPr>
+              <a:t>Forum</a:t>
+            </a:r>
+            <a:r>
+              <a:rPr lang="en-US" sz="1200" dirty="0" err="1">
+                <a:solidFill>
+                  <a:srgbClr val="7030A0"/>
+                </a:solidFill>
+              </a:rPr>
+              <a:t>Book</a:t>
             </a:r>
             <a:r>
               <a:rPr lang="en-US" sz="1200" dirty="0">

--- a/docs/diagrams/UndoRedoSequenceDiagram.pptx
+++ b/docs/diagrams/UndoRedoSequenceDiagram.pptx
@@ -10,7 +10,7 @@
   <p:sldIdLst>
     <p:sldId id="267" r:id="rId2"/>
   </p:sldIdLst>
-  <p:sldSz cx="9144000" cy="6858000" type="screen4x3"/>
+  <p:sldSz cx="13076238" cy="6858000"/>
   <p:notesSz cx="6858000" cy="9144000"/>
   <p:defaultTextStyle>
     <a:defPPr>
@@ -110,12 +110,12 @@
   <p:extLst>
     <p:ext uri="{EFAFB233-063F-42B5-8137-9DF3F51BA10A}">
       <p15:sldGuideLst xmlns:p15="http://schemas.microsoft.com/office/powerpoint/2012/main">
-        <p15:guide id="1" orient="horz" pos="1488">
+        <p15:guide id="1" orient="horz" pos="1488" userDrawn="1">
           <p15:clr>
             <a:srgbClr val="A4A3A4"/>
           </p15:clr>
         </p15:guide>
-        <p15:guide id="2" pos="2880">
+        <p15:guide id="2" pos="4119" userDrawn="1">
           <p15:clr>
             <a:srgbClr val="A4A3A4"/>
           </p15:clr>
@@ -124,10 +124,6 @@
     </p:ext>
   </p:extLst>
 </p:presentation>
-</file>
-
-<file path=ppt/revisionInfo.xml><?xml version="1.0" encoding="utf-8"?>
-<p1510:revInfo xmlns:a="http://schemas.openxmlformats.org/drawingml/2006/main" xmlns:r="http://schemas.openxmlformats.org/officeDocument/2006/relationships" xmlns:p1510="http://schemas.microsoft.com/office/powerpoint/2015/10/main"/>
 </file>
 
 <file path=ppt/notesMasters/notesMaster1.xml><?xml version="1.0" encoding="utf-8"?>
@@ -212,7 +208,7 @@
           <a:p>
             <a:fld id="{F5CC4B3F-88C1-4FFA-B1B6-F41C21DC6924}" type="datetimeFigureOut">
               <a:rPr lang="en-US" smtClean="0"/>
-              <a:t>7/6/2018</a:t>
+              <a:t>10/21/2018</a:t>
             </a:fld>
             <a:endParaRPr lang="en-US"/>
           </a:p>
@@ -230,8 +226,8 @@
         </p:nvSpPr>
         <p:spPr>
           <a:xfrm>
-            <a:off x="1143000" y="685800"/>
-            <a:ext cx="4572000" cy="3429000"/>
+            <a:off x="160338" y="685800"/>
+            <a:ext cx="6537325" cy="3429000"/>
           </a:xfrm>
           <a:prstGeom prst="rect">
             <a:avLst/>
@@ -508,8 +504,8 @@
         </p:nvSpPr>
         <p:spPr>
           <a:xfrm>
-            <a:off x="685800" y="2130425"/>
-            <a:ext cx="7772400" cy="1470025"/>
+            <a:off x="980718" y="2130428"/>
+            <a:ext cx="11114803" cy="1470025"/>
           </a:xfrm>
         </p:spPr>
         <p:txBody>
@@ -535,8 +531,8 @@
         </p:nvSpPr>
         <p:spPr>
           <a:xfrm>
-            <a:off x="1371600" y="3886200"/>
-            <a:ext cx="6400800" cy="1752600"/>
+            <a:off x="1961437" y="3886200"/>
+            <a:ext cx="9153366" cy="1752600"/>
           </a:xfrm>
         </p:spPr>
         <p:txBody>
@@ -658,7 +654,7 @@
           <a:p>
             <a:fld id="{78C97017-6FC3-485B-9764-EAC9E56C1D49}" type="datetimeFigureOut">
               <a:rPr lang="en-US" smtClean="0"/>
-              <a:t>7/6/2018</a:t>
+              <a:t>10/21/2018</a:t>
             </a:fld>
             <a:endParaRPr lang="en-US"/>
           </a:p>
@@ -826,7 +822,7 @@
           <a:p>
             <a:fld id="{78C97017-6FC3-485B-9764-EAC9E56C1D49}" type="datetimeFigureOut">
               <a:rPr lang="en-US" smtClean="0"/>
-              <a:t>7/6/2018</a:t>
+              <a:t>10/21/2018</a:t>
             </a:fld>
             <a:endParaRPr lang="en-US"/>
           </a:p>
@@ -916,8 +912,8 @@
         </p:nvSpPr>
         <p:spPr>
           <a:xfrm>
-            <a:off x="6629400" y="274638"/>
-            <a:ext cx="2057400" cy="5851525"/>
+            <a:off x="9480273" y="274641"/>
+            <a:ext cx="2942154" cy="5851525"/>
           </a:xfrm>
         </p:spPr>
         <p:txBody>
@@ -943,8 +939,8 @@
         </p:nvSpPr>
         <p:spPr>
           <a:xfrm>
-            <a:off x="457200" y="274638"/>
-            <a:ext cx="6019800" cy="5851525"/>
+            <a:off x="653812" y="274641"/>
+            <a:ext cx="8608523" cy="5851525"/>
           </a:xfrm>
         </p:spPr>
         <p:txBody>
@@ -1004,7 +1000,7 @@
           <a:p>
             <a:fld id="{78C97017-6FC3-485B-9764-EAC9E56C1D49}" type="datetimeFigureOut">
               <a:rPr lang="en-US" smtClean="0"/>
-              <a:t>7/6/2018</a:t>
+              <a:t>10/21/2018</a:t>
             </a:fld>
             <a:endParaRPr lang="en-US"/>
           </a:p>
@@ -1172,7 +1168,7 @@
           <a:p>
             <a:fld id="{78C97017-6FC3-485B-9764-EAC9E56C1D49}" type="datetimeFigureOut">
               <a:rPr lang="en-US" smtClean="0"/>
-              <a:t>7/6/2018</a:t>
+              <a:t>10/21/2018</a:t>
             </a:fld>
             <a:endParaRPr lang="en-US"/>
           </a:p>
@@ -1262,8 +1258,8 @@
         </p:nvSpPr>
         <p:spPr>
           <a:xfrm>
-            <a:off x="722313" y="4406900"/>
-            <a:ext cx="7772400" cy="1362075"/>
+            <a:off x="1032933" y="4406903"/>
+            <a:ext cx="11114803" cy="1362075"/>
           </a:xfrm>
         </p:spPr>
         <p:txBody>
@@ -1293,8 +1289,8 @@
         </p:nvSpPr>
         <p:spPr>
           <a:xfrm>
-            <a:off x="722313" y="2906713"/>
-            <a:ext cx="7772400" cy="1500187"/>
+            <a:off x="1032933" y="2906713"/>
+            <a:ext cx="11114803" cy="1500187"/>
           </a:xfrm>
         </p:spPr>
         <p:txBody>
@@ -1417,7 +1413,7 @@
           <a:p>
             <a:fld id="{78C97017-6FC3-485B-9764-EAC9E56C1D49}" type="datetimeFigureOut">
               <a:rPr lang="en-US" smtClean="0"/>
-              <a:t>7/6/2018</a:t>
+              <a:t>10/21/2018</a:t>
             </a:fld>
             <a:endParaRPr lang="en-US"/>
           </a:p>
@@ -1529,8 +1525,8 @@
         </p:nvSpPr>
         <p:spPr>
           <a:xfrm>
-            <a:off x="457200" y="1600200"/>
-            <a:ext cx="4038600" cy="4525963"/>
+            <a:off x="653812" y="1600203"/>
+            <a:ext cx="5775338" cy="4525963"/>
           </a:xfrm>
         </p:spPr>
         <p:txBody>
@@ -1613,8 +1609,8 @@
         </p:nvSpPr>
         <p:spPr>
           <a:xfrm>
-            <a:off x="4648200" y="1600200"/>
-            <a:ext cx="4038600" cy="4525963"/>
+            <a:off x="6647088" y="1600203"/>
+            <a:ext cx="5775338" cy="4525963"/>
           </a:xfrm>
         </p:spPr>
         <p:txBody>
@@ -1702,7 +1698,7 @@
           <a:p>
             <a:fld id="{78C97017-6FC3-485B-9764-EAC9E56C1D49}" type="datetimeFigureOut">
               <a:rPr lang="en-US" smtClean="0"/>
-              <a:t>7/6/2018</a:t>
+              <a:t>10/21/2018</a:t>
             </a:fld>
             <a:endParaRPr lang="en-US"/>
           </a:p>
@@ -1818,8 +1814,8 @@
         </p:nvSpPr>
         <p:spPr>
           <a:xfrm>
-            <a:off x="457200" y="1535113"/>
-            <a:ext cx="4040188" cy="639762"/>
+            <a:off x="653813" y="1535113"/>
+            <a:ext cx="5777609" cy="639762"/>
           </a:xfrm>
         </p:spPr>
         <p:txBody>
@@ -1883,8 +1879,8 @@
         </p:nvSpPr>
         <p:spPr>
           <a:xfrm>
-            <a:off x="457200" y="2174875"/>
-            <a:ext cx="4040188" cy="3951288"/>
+            <a:off x="653813" y="2174875"/>
+            <a:ext cx="5777609" cy="3951288"/>
           </a:xfrm>
         </p:spPr>
         <p:txBody>
@@ -1967,8 +1963,8 @@
         </p:nvSpPr>
         <p:spPr>
           <a:xfrm>
-            <a:off x="4645025" y="1535113"/>
-            <a:ext cx="4041775" cy="639762"/>
+            <a:off x="6642550" y="1535113"/>
+            <a:ext cx="5779878" cy="639762"/>
           </a:xfrm>
         </p:spPr>
         <p:txBody>
@@ -2032,8 +2028,8 @@
         </p:nvSpPr>
         <p:spPr>
           <a:xfrm>
-            <a:off x="4645025" y="2174875"/>
-            <a:ext cx="4041775" cy="3951288"/>
+            <a:off x="6642550" y="2174875"/>
+            <a:ext cx="5779878" cy="3951288"/>
           </a:xfrm>
         </p:spPr>
         <p:txBody>
@@ -2121,7 +2117,7 @@
           <a:p>
             <a:fld id="{78C97017-6FC3-485B-9764-EAC9E56C1D49}" type="datetimeFigureOut">
               <a:rPr lang="en-US" smtClean="0"/>
-              <a:t>7/6/2018</a:t>
+              <a:t>10/21/2018</a:t>
             </a:fld>
             <a:endParaRPr lang="en-US"/>
           </a:p>
@@ -2238,7 +2234,7 @@
           <a:p>
             <a:fld id="{78C97017-6FC3-485B-9764-EAC9E56C1D49}" type="datetimeFigureOut">
               <a:rPr lang="en-US" smtClean="0"/>
-              <a:t>7/6/2018</a:t>
+              <a:t>10/21/2018</a:t>
             </a:fld>
             <a:endParaRPr lang="en-US"/>
           </a:p>
@@ -2333,7 +2329,7 @@
           <a:p>
             <a:fld id="{78C97017-6FC3-485B-9764-EAC9E56C1D49}" type="datetimeFigureOut">
               <a:rPr lang="en-US" smtClean="0"/>
-              <a:t>7/6/2018</a:t>
+              <a:t>10/21/2018</a:t>
             </a:fld>
             <a:endParaRPr lang="en-US"/>
           </a:p>
@@ -2423,8 +2419,8 @@
         </p:nvSpPr>
         <p:spPr>
           <a:xfrm>
-            <a:off x="457200" y="273050"/>
-            <a:ext cx="3008313" cy="1162050"/>
+            <a:off x="653813" y="273050"/>
+            <a:ext cx="4301993" cy="1162050"/>
           </a:xfrm>
         </p:spPr>
         <p:txBody>
@@ -2454,8 +2450,8 @@
         </p:nvSpPr>
         <p:spPr>
           <a:xfrm>
-            <a:off x="3575050" y="273050"/>
-            <a:ext cx="5111750" cy="5853113"/>
+            <a:off x="5112447" y="273053"/>
+            <a:ext cx="7309981" cy="5853113"/>
           </a:xfrm>
         </p:spPr>
         <p:txBody>
@@ -2538,8 +2534,8 @@
         </p:nvSpPr>
         <p:spPr>
           <a:xfrm>
-            <a:off x="457200" y="1435100"/>
-            <a:ext cx="3008313" cy="4691063"/>
+            <a:off x="653813" y="1435103"/>
+            <a:ext cx="4301993" cy="4691063"/>
           </a:xfrm>
         </p:spPr>
         <p:txBody>
@@ -2608,7 +2604,7 @@
           <a:p>
             <a:fld id="{78C97017-6FC3-485B-9764-EAC9E56C1D49}" type="datetimeFigureOut">
               <a:rPr lang="en-US" smtClean="0"/>
-              <a:t>7/6/2018</a:t>
+              <a:t>10/21/2018</a:t>
             </a:fld>
             <a:endParaRPr lang="en-US"/>
           </a:p>
@@ -2698,8 +2694,8 @@
         </p:nvSpPr>
         <p:spPr>
           <a:xfrm>
-            <a:off x="1792288" y="4800600"/>
-            <a:ext cx="5486400" cy="566738"/>
+            <a:off x="2563034" y="4800600"/>
+            <a:ext cx="7845743" cy="566738"/>
           </a:xfrm>
         </p:spPr>
         <p:txBody>
@@ -2729,8 +2725,8 @@
         </p:nvSpPr>
         <p:spPr>
           <a:xfrm>
-            <a:off x="1792288" y="612775"/>
-            <a:ext cx="5486400" cy="4114800"/>
+            <a:off x="2563034" y="612775"/>
+            <a:ext cx="7845743" cy="4114800"/>
           </a:xfrm>
         </p:spPr>
         <p:txBody>
@@ -2790,8 +2786,8 @@
         </p:nvSpPr>
         <p:spPr>
           <a:xfrm>
-            <a:off x="1792288" y="5367338"/>
-            <a:ext cx="5486400" cy="804862"/>
+            <a:off x="2563034" y="5367338"/>
+            <a:ext cx="7845743" cy="804862"/>
           </a:xfrm>
         </p:spPr>
         <p:txBody>
@@ -2860,7 +2856,7 @@
           <a:p>
             <a:fld id="{78C97017-6FC3-485B-9764-EAC9E56C1D49}" type="datetimeFigureOut">
               <a:rPr lang="en-US" smtClean="0"/>
-              <a:t>7/6/2018</a:t>
+              <a:t>10/21/2018</a:t>
             </a:fld>
             <a:endParaRPr lang="en-US"/>
           </a:p>
@@ -2955,8 +2951,8 @@
         </p:nvSpPr>
         <p:spPr>
           <a:xfrm>
-            <a:off x="457200" y="274638"/>
-            <a:ext cx="8229600" cy="1143000"/>
+            <a:off x="653812" y="274638"/>
+            <a:ext cx="11768615" cy="1143000"/>
           </a:xfrm>
           <a:prstGeom prst="rect">
             <a:avLst/>
@@ -2987,8 +2983,8 @@
         </p:nvSpPr>
         <p:spPr>
           <a:xfrm>
-            <a:off x="457200" y="1600200"/>
-            <a:ext cx="8229600" cy="4525963"/>
+            <a:off x="653812" y="1600203"/>
+            <a:ext cx="11768615" cy="4525963"/>
           </a:xfrm>
           <a:prstGeom prst="rect">
             <a:avLst/>
@@ -3048,8 +3044,8 @@
         </p:nvSpPr>
         <p:spPr>
           <a:xfrm>
-            <a:off x="457200" y="6356350"/>
-            <a:ext cx="2133600" cy="365125"/>
+            <a:off x="653812" y="6356353"/>
+            <a:ext cx="3051122" cy="365125"/>
           </a:xfrm>
           <a:prstGeom prst="rect">
             <a:avLst/>
@@ -3071,7 +3067,7 @@
           <a:p>
             <a:fld id="{78C97017-6FC3-485B-9764-EAC9E56C1D49}" type="datetimeFigureOut">
               <a:rPr lang="en-US" smtClean="0"/>
-              <a:t>7/6/2018</a:t>
+              <a:t>10/21/2018</a:t>
             </a:fld>
             <a:endParaRPr lang="en-US"/>
           </a:p>
@@ -3089,8 +3085,8 @@
         </p:nvSpPr>
         <p:spPr>
           <a:xfrm>
-            <a:off x="3124200" y="6356350"/>
-            <a:ext cx="2895600" cy="365125"/>
+            <a:off x="4467715" y="6356353"/>
+            <a:ext cx="4140809" cy="365125"/>
           </a:xfrm>
           <a:prstGeom prst="rect">
             <a:avLst/>
@@ -3126,8 +3122,8 @@
         </p:nvSpPr>
         <p:spPr>
           <a:xfrm>
-            <a:off x="6553200" y="6356350"/>
-            <a:ext cx="2133600" cy="365125"/>
+            <a:off x="9371304" y="6356353"/>
+            <a:ext cx="3051122" cy="365125"/>
           </a:xfrm>
           <a:prstGeom prst="rect">
             <a:avLst/>
@@ -3454,7 +3450,7 @@
         </p:nvSpPr>
         <p:spPr>
           <a:xfrm>
-            <a:off x="6459374" y="118895"/>
+            <a:off x="8425496" y="118895"/>
             <a:ext cx="3903825" cy="4400926"/>
           </a:xfrm>
           <a:prstGeom prst="roundRect">
@@ -3515,7 +3511,7 @@
         </p:nvSpPr>
         <p:spPr>
           <a:xfrm>
-            <a:off x="467813" y="163018"/>
+            <a:off x="2433932" y="163018"/>
             <a:ext cx="5863964" cy="4343400"/>
           </a:xfrm>
           <a:prstGeom prst="roundRect">
@@ -3576,7 +3572,7 @@
         </p:nvSpPr>
         <p:spPr>
           <a:xfrm>
-            <a:off x="883145" y="543946"/>
+            <a:off x="2849267" y="543946"/>
             <a:ext cx="1455629" cy="346760"/>
           </a:xfrm>
           <a:prstGeom prst="rect">
@@ -3645,7 +3641,7 @@
         </p:nvCxnSpPr>
         <p:spPr>
           <a:xfrm>
-            <a:off x="1610959" y="907617"/>
+            <a:off x="3577078" y="907620"/>
             <a:ext cx="0" cy="3481399"/>
           </a:xfrm>
           <a:prstGeom prst="line">
@@ -3682,7 +3678,7 @@
         </p:nvSpPr>
         <p:spPr>
           <a:xfrm>
-            <a:off x="1538951" y="1258311"/>
+            <a:off x="3505070" y="1258314"/>
             <a:ext cx="152400" cy="2932689"/>
           </a:xfrm>
           <a:prstGeom prst="rect">
@@ -3729,7 +3725,7 @@
         </p:nvSpPr>
         <p:spPr>
           <a:xfrm>
-            <a:off x="3437188" y="423022"/>
+            <a:off x="5403307" y="423022"/>
             <a:ext cx="1219200" cy="467684"/>
           </a:xfrm>
           <a:prstGeom prst="rect">
@@ -3770,7 +3766,7 @@
                   <a:schemeClr val="bg1"/>
                 </a:solidFill>
               </a:rPr>
-              <a:t>:Address</a:t>
+              <a:t>:Task</a:t>
             </a:r>
           </a:p>
           <a:p>
@@ -3801,7 +3797,7 @@
         </p:nvCxnSpPr>
         <p:spPr>
           <a:xfrm>
-            <a:off x="4050587" y="907617"/>
+            <a:off x="6016706" y="907617"/>
             <a:ext cx="0" cy="1482984"/>
           </a:xfrm>
           <a:prstGeom prst="line">
@@ -3838,7 +3834,7 @@
         </p:nvSpPr>
         <p:spPr>
           <a:xfrm>
-            <a:off x="3978580" y="1365810"/>
+            <a:off x="5944699" y="1365810"/>
             <a:ext cx="154408" cy="767790"/>
           </a:xfrm>
           <a:prstGeom prst="rect">
@@ -3873,11 +3869,7 @@
           <a:lstStyle/>
           <a:p>
             <a:pPr algn="ctr"/>
-            <a:endParaRPr lang="en-SG" sz="1400">
-              <a:solidFill>
-                <a:schemeClr val="dk1"/>
-              </a:solidFill>
-            </a:endParaRPr>
+            <a:endParaRPr lang="en-SG" sz="1400"/>
           </a:p>
         </p:txBody>
       </p:sp>
@@ -3893,7 +3885,7 @@
         </p:nvCxnSpPr>
         <p:spPr>
           <a:xfrm>
-            <a:off x="5602082" y="1613633"/>
+            <a:off x="7568201" y="1613633"/>
             <a:ext cx="0" cy="2644578"/>
           </a:xfrm>
           <a:prstGeom prst="line">
@@ -3930,7 +3922,7 @@
         </p:nvSpPr>
         <p:spPr>
           <a:xfrm>
-            <a:off x="5525882" y="1613633"/>
+            <a:off x="7492001" y="1613636"/>
             <a:ext cx="152400" cy="276003"/>
           </a:xfrm>
           <a:prstGeom prst="rect">
@@ -3977,7 +3969,7 @@
         </p:nvCxnSpPr>
         <p:spPr>
           <a:xfrm>
-            <a:off x="419100" y="1261999"/>
+            <a:off x="2385222" y="1261999"/>
             <a:ext cx="1119851" cy="0"/>
           </a:xfrm>
           <a:prstGeom prst="straightConnector1">
@@ -4013,7 +4005,7 @@
         </p:nvSpPr>
         <p:spPr>
           <a:xfrm>
-            <a:off x="38100" y="990600"/>
+            <a:off x="2004219" y="990600"/>
             <a:ext cx="1424846" cy="215444"/>
           </a:xfrm>
           <a:prstGeom prst="rect">
@@ -4047,7 +4039,7 @@
         </p:nvCxnSpPr>
         <p:spPr>
           <a:xfrm flipV="1">
-            <a:off x="4135972" y="1512340"/>
+            <a:off x="6102091" y="1512343"/>
             <a:ext cx="922392" cy="1"/>
           </a:xfrm>
           <a:prstGeom prst="straightConnector1">
@@ -4083,7 +4075,7 @@
         </p:nvSpPr>
         <p:spPr>
           <a:xfrm>
-            <a:off x="3243421" y="2484071"/>
+            <a:off x="5209543" y="2484071"/>
             <a:ext cx="855809" cy="215444"/>
           </a:xfrm>
           <a:prstGeom prst="rect">
@@ -4123,7 +4115,7 @@
         </p:nvCxnSpPr>
         <p:spPr>
           <a:xfrm>
-            <a:off x="4109108" y="1878232"/>
+            <a:off x="6075227" y="1878232"/>
             <a:ext cx="1492974" cy="0"/>
           </a:xfrm>
           <a:prstGeom prst="straightConnector1">
@@ -4163,7 +4155,7 @@
         </p:nvCxnSpPr>
         <p:spPr>
           <a:xfrm>
-            <a:off x="1691351" y="2133600"/>
+            <a:off x="3657473" y="2133600"/>
             <a:ext cx="2348067" cy="0"/>
           </a:xfrm>
           <a:prstGeom prst="straightConnector1">
@@ -4201,7 +4193,7 @@
         </p:nvCxnSpPr>
         <p:spPr>
           <a:xfrm>
-            <a:off x="380999" y="4191000"/>
+            <a:off x="2347121" y="4191000"/>
             <a:ext cx="1196051" cy="0"/>
           </a:xfrm>
           <a:prstGeom prst="straightConnector1">
@@ -4239,7 +4231,7 @@
         </p:nvSpPr>
         <p:spPr>
           <a:xfrm>
-            <a:off x="5526488" y="2731313"/>
+            <a:off x="7492607" y="2731316"/>
             <a:ext cx="161322" cy="1307285"/>
           </a:xfrm>
           <a:prstGeom prst="rect">
@@ -4286,7 +4278,7 @@
         </p:nvSpPr>
         <p:spPr>
           <a:xfrm>
-            <a:off x="5651548" y="2748246"/>
+            <a:off x="7617667" y="2748246"/>
             <a:ext cx="1298078" cy="184666"/>
           </a:xfrm>
           <a:prstGeom prst="rect">
@@ -4327,7 +4319,7 @@
                   <a:srgbClr val="7030A0"/>
                 </a:solidFill>
               </a:rPr>
-              <a:t>AddressBook</a:t>
+              <a:t>TaskBook</a:t>
             </a:r>
             <a:r>
               <a:rPr lang="en-US" sz="1200" dirty="0">
@@ -4349,7 +4341,7 @@
         </p:nvSpPr>
         <p:spPr>
           <a:xfrm>
-            <a:off x="1885189" y="1106150"/>
+            <a:off x="3851311" y="1106150"/>
             <a:ext cx="1899551" cy="215444"/>
           </a:xfrm>
           <a:prstGeom prst="rect">
@@ -4393,7 +4385,7 @@
         </p:nvSpPr>
         <p:spPr>
           <a:xfrm>
-            <a:off x="3272755" y="3791076"/>
+            <a:off x="5238874" y="3791076"/>
             <a:ext cx="621216" cy="215444"/>
           </a:xfrm>
           <a:prstGeom prst="rect">
@@ -4433,7 +4425,7 @@
         </p:nvSpPr>
         <p:spPr>
           <a:xfrm>
-            <a:off x="645270" y="3945901"/>
+            <a:off x="2611389" y="3945901"/>
             <a:ext cx="762000" cy="215444"/>
           </a:xfrm>
           <a:prstGeom prst="rect">
@@ -4473,7 +4465,7 @@
         </p:nvSpPr>
         <p:spPr>
           <a:xfrm>
-            <a:off x="7497155" y="2568606"/>
+            <a:off x="9463277" y="2568609"/>
             <a:ext cx="2181777" cy="335427"/>
           </a:xfrm>
           <a:prstGeom prst="rect">
@@ -4522,7 +4514,7 @@
                   <a:schemeClr val="bg1"/>
                 </a:solidFill>
               </a:rPr>
-              <a:t>VersionedAddressBook</a:t>
+              <a:t>VersionedTaskBook</a:t>
             </a:r>
             <a:endParaRPr lang="en-SG" sz="1600" dirty="0">
               <a:solidFill>
@@ -4540,7 +4532,7 @@
         </p:nvSpPr>
         <p:spPr>
           <a:xfrm>
-            <a:off x="8514207" y="3182840"/>
+            <a:off x="10480329" y="3182840"/>
             <a:ext cx="129933" cy="398562"/>
           </a:xfrm>
           <a:prstGeom prst="rect">
@@ -4587,7 +4579,7 @@
         </p:nvSpPr>
         <p:spPr>
           <a:xfrm>
-            <a:off x="2724792" y="1905793"/>
+            <a:off x="4690914" y="1905793"/>
             <a:ext cx="220343" cy="215444"/>
           </a:xfrm>
           <a:prstGeom prst="rect">
@@ -4627,7 +4619,7 @@
         </p:nvSpPr>
         <p:spPr>
           <a:xfrm>
-            <a:off x="6549765" y="2362200"/>
+            <a:off x="8515884" y="2362200"/>
             <a:ext cx="841636" cy="300180"/>
           </a:xfrm>
           <a:prstGeom prst="rect">
@@ -4688,7 +4680,7 @@
         </p:nvCxnSpPr>
         <p:spPr>
           <a:xfrm flipH="1">
-            <a:off x="6986491" y="2653306"/>
+            <a:off x="8952613" y="2653306"/>
             <a:ext cx="3959" cy="1735710"/>
           </a:xfrm>
           <a:prstGeom prst="line">
@@ -4725,7 +4717,7 @@
         </p:nvSpPr>
         <p:spPr>
           <a:xfrm>
-            <a:off x="6887527" y="2958106"/>
+            <a:off x="8853646" y="2958109"/>
             <a:ext cx="168896" cy="775693"/>
           </a:xfrm>
           <a:prstGeom prst="rect">
@@ -4774,7 +4766,7 @@
         </p:nvCxnSpPr>
         <p:spPr>
           <a:xfrm>
-            <a:off x="5685755" y="2975344"/>
+            <a:off x="7651877" y="2975344"/>
             <a:ext cx="1210345" cy="0"/>
           </a:xfrm>
           <a:prstGeom prst="straightConnector1">
@@ -4810,7 +4802,7 @@
         </p:nvSpPr>
         <p:spPr>
           <a:xfrm>
-            <a:off x="5472880" y="4258211"/>
+            <a:off x="7438999" y="4258211"/>
             <a:ext cx="258404" cy="261610"/>
           </a:xfrm>
           <a:prstGeom prst="rect">
@@ -4843,7 +4835,7 @@
         </p:nvSpPr>
         <p:spPr>
           <a:xfrm>
-            <a:off x="5035976" y="1260268"/>
+            <a:off x="7002098" y="1260268"/>
             <a:ext cx="1093635" cy="461538"/>
           </a:xfrm>
           <a:prstGeom prst="rect">
@@ -4925,7 +4917,7 @@
         </p:nvCxnSpPr>
         <p:spPr>
           <a:xfrm>
-            <a:off x="1691351" y="2731314"/>
+            <a:off x="3657470" y="2731317"/>
             <a:ext cx="3832164" cy="1"/>
           </a:xfrm>
           <a:prstGeom prst="straightConnector1">
@@ -4969,7 +4961,7 @@
         </p:nvCxnSpPr>
         <p:spPr>
           <a:xfrm>
-            <a:off x="1708245" y="1363918"/>
+            <a:off x="3674367" y="1363921"/>
             <a:ext cx="2256705" cy="1"/>
           </a:xfrm>
           <a:prstGeom prst="straightConnector1">
@@ -5013,7 +5005,7 @@
         </p:nvCxnSpPr>
         <p:spPr>
           <a:xfrm>
-            <a:off x="1691998" y="4036462"/>
+            <a:off x="3658120" y="4036462"/>
             <a:ext cx="3831517" cy="0"/>
           </a:xfrm>
           <a:prstGeom prst="straightConnector1">
@@ -5057,7 +5049,7 @@
         </p:nvSpPr>
         <p:spPr>
           <a:xfrm>
-            <a:off x="8769530" y="3267337"/>
+            <a:off x="10735649" y="3267337"/>
             <a:ext cx="2120786" cy="184666"/>
           </a:xfrm>
           <a:prstGeom prst="rect">
@@ -5104,7 +5096,7 @@
                   <a:srgbClr val="7030A0"/>
                 </a:solidFill>
               </a:rPr>
-              <a:t>ReadOnlyAddressBook</a:t>
+              <a:t>ReadOnlyTaskBook</a:t>
             </a:r>
             <a:r>
               <a:rPr lang="en-US" sz="1200" dirty="0">
@@ -5134,7 +5126,7 @@
         </p:nvCxnSpPr>
         <p:spPr>
           <a:xfrm>
-            <a:off x="8588043" y="2871355"/>
+            <a:off x="10554162" y="2871355"/>
             <a:ext cx="17996" cy="1467648"/>
           </a:xfrm>
           <a:prstGeom prst="line">
@@ -5171,7 +5163,7 @@
         </p:nvSpPr>
         <p:spPr>
           <a:xfrm>
-            <a:off x="7667691" y="2975344"/>
+            <a:off x="9633813" y="2975344"/>
             <a:ext cx="551687" cy="184666"/>
           </a:xfrm>
           <a:prstGeom prst="rect">
@@ -5228,7 +5220,7 @@
         </p:nvCxnSpPr>
         <p:spPr>
           <a:xfrm rot="16200000" flipH="1">
-            <a:off x="8527578" y="3220579"/>
+            <a:off x="10493700" y="3220579"/>
             <a:ext cx="156923" cy="76200"/>
           </a:xfrm>
           <a:prstGeom prst="curvedConnector4">
@@ -5269,7 +5261,7 @@
         </p:nvCxnSpPr>
         <p:spPr>
           <a:xfrm>
-            <a:off x="7043991" y="3182839"/>
+            <a:off x="9010110" y="3182839"/>
             <a:ext cx="1470216" cy="0"/>
           </a:xfrm>
           <a:prstGeom prst="straightConnector1">
@@ -5313,7 +5305,7 @@
         </p:nvCxnSpPr>
         <p:spPr>
           <a:xfrm flipV="1">
-            <a:off x="7043991" y="3564914"/>
+            <a:off x="9010110" y="3564917"/>
             <a:ext cx="1470216" cy="6325"/>
           </a:xfrm>
           <a:prstGeom prst="straightConnector1">
@@ -5360,7 +5352,7 @@
         </p:nvCxnSpPr>
         <p:spPr>
           <a:xfrm>
-            <a:off x="5675919" y="3733799"/>
+            <a:off x="7642038" y="3733799"/>
             <a:ext cx="1296056" cy="0"/>
           </a:xfrm>
           <a:prstGeom prst="straightConnector1">

--- a/docs/diagrams/UndoRedoSequenceDiagram.pptx
+++ b/docs/diagrams/UndoRedoSequenceDiagram.pptx
@@ -126,10 +126,6 @@
 </p:presentation>
 </file>
 
-<file path=ppt/revisionInfo.xml><?xml version="1.0" encoding="utf-8"?>
-<p1510:revInfo xmlns:a="http://schemas.openxmlformats.org/drawingml/2006/main" xmlns:r="http://schemas.openxmlformats.org/officeDocument/2006/relationships" xmlns:p1510="http://schemas.microsoft.com/office/powerpoint/2015/10/main"/>
-</file>
-
 <file path=ppt/notesMasters/notesMaster1.xml><?xml version="1.0" encoding="utf-8"?>
 <p:notesMaster xmlns:a="http://schemas.openxmlformats.org/drawingml/2006/main" xmlns:r="http://schemas.openxmlformats.org/officeDocument/2006/relationships" xmlns:p="http://schemas.openxmlformats.org/presentationml/2006/main">
   <p:cSld>
@@ -212,7 +208,7 @@
           <a:p>
             <a:fld id="{F5CC4B3F-88C1-4FFA-B1B6-F41C21DC6924}" type="datetimeFigureOut">
               <a:rPr lang="en-US" smtClean="0"/>
-              <a:t>7/6/2018</a:t>
+              <a:t>11/2/18</a:t>
             </a:fld>
             <a:endParaRPr lang="en-US"/>
           </a:p>
@@ -658,7 +654,7 @@
           <a:p>
             <a:fld id="{78C97017-6FC3-485B-9764-EAC9E56C1D49}" type="datetimeFigureOut">
               <a:rPr lang="en-US" smtClean="0"/>
-              <a:t>7/6/2018</a:t>
+              <a:t>11/2/18</a:t>
             </a:fld>
             <a:endParaRPr lang="en-US"/>
           </a:p>
@@ -826,7 +822,7 @@
           <a:p>
             <a:fld id="{78C97017-6FC3-485B-9764-EAC9E56C1D49}" type="datetimeFigureOut">
               <a:rPr lang="en-US" smtClean="0"/>
-              <a:t>7/6/2018</a:t>
+              <a:t>11/2/18</a:t>
             </a:fld>
             <a:endParaRPr lang="en-US"/>
           </a:p>
@@ -1004,7 +1000,7 @@
           <a:p>
             <a:fld id="{78C97017-6FC3-485B-9764-EAC9E56C1D49}" type="datetimeFigureOut">
               <a:rPr lang="en-US" smtClean="0"/>
-              <a:t>7/6/2018</a:t>
+              <a:t>11/2/18</a:t>
             </a:fld>
             <a:endParaRPr lang="en-US"/>
           </a:p>
@@ -1172,7 +1168,7 @@
           <a:p>
             <a:fld id="{78C97017-6FC3-485B-9764-EAC9E56C1D49}" type="datetimeFigureOut">
               <a:rPr lang="en-US" smtClean="0"/>
-              <a:t>7/6/2018</a:t>
+              <a:t>11/2/18</a:t>
             </a:fld>
             <a:endParaRPr lang="en-US"/>
           </a:p>
@@ -1417,7 +1413,7 @@
           <a:p>
             <a:fld id="{78C97017-6FC3-485B-9764-EAC9E56C1D49}" type="datetimeFigureOut">
               <a:rPr lang="en-US" smtClean="0"/>
-              <a:t>7/6/2018</a:t>
+              <a:t>11/2/18</a:t>
             </a:fld>
             <a:endParaRPr lang="en-US"/>
           </a:p>
@@ -1702,7 +1698,7 @@
           <a:p>
             <a:fld id="{78C97017-6FC3-485B-9764-EAC9E56C1D49}" type="datetimeFigureOut">
               <a:rPr lang="en-US" smtClean="0"/>
-              <a:t>7/6/2018</a:t>
+              <a:t>11/2/18</a:t>
             </a:fld>
             <a:endParaRPr lang="en-US"/>
           </a:p>
@@ -2121,7 +2117,7 @@
           <a:p>
             <a:fld id="{78C97017-6FC3-485B-9764-EAC9E56C1D49}" type="datetimeFigureOut">
               <a:rPr lang="en-US" smtClean="0"/>
-              <a:t>7/6/2018</a:t>
+              <a:t>11/2/18</a:t>
             </a:fld>
             <a:endParaRPr lang="en-US"/>
           </a:p>
@@ -2238,7 +2234,7 @@
           <a:p>
             <a:fld id="{78C97017-6FC3-485B-9764-EAC9E56C1D49}" type="datetimeFigureOut">
               <a:rPr lang="en-US" smtClean="0"/>
-              <a:t>7/6/2018</a:t>
+              <a:t>11/2/18</a:t>
             </a:fld>
             <a:endParaRPr lang="en-US"/>
           </a:p>
@@ -2333,7 +2329,7 @@
           <a:p>
             <a:fld id="{78C97017-6FC3-485B-9764-EAC9E56C1D49}" type="datetimeFigureOut">
               <a:rPr lang="en-US" smtClean="0"/>
-              <a:t>7/6/2018</a:t>
+              <a:t>11/2/18</a:t>
             </a:fld>
             <a:endParaRPr lang="en-US"/>
           </a:p>
@@ -2608,7 +2604,7 @@
           <a:p>
             <a:fld id="{78C97017-6FC3-485B-9764-EAC9E56C1D49}" type="datetimeFigureOut">
               <a:rPr lang="en-US" smtClean="0"/>
-              <a:t>7/6/2018</a:t>
+              <a:t>11/2/18</a:t>
             </a:fld>
             <a:endParaRPr lang="en-US"/>
           </a:p>
@@ -2860,7 +2856,7 @@
           <a:p>
             <a:fld id="{78C97017-6FC3-485B-9764-EAC9E56C1D49}" type="datetimeFigureOut">
               <a:rPr lang="en-US" smtClean="0"/>
-              <a:t>7/6/2018</a:t>
+              <a:t>11/2/18</a:t>
             </a:fld>
             <a:endParaRPr lang="en-US"/>
           </a:p>
@@ -3071,7 +3067,7 @@
           <a:p>
             <a:fld id="{78C97017-6FC3-485B-9764-EAC9E56C1D49}" type="datetimeFigureOut">
               <a:rPr lang="en-US" smtClean="0"/>
-              <a:t>7/6/2018</a:t>
+              <a:t>11/2/18</a:t>
             </a:fld>
             <a:endParaRPr lang="en-US"/>
           </a:p>
@@ -3454,7 +3450,7 @@
         </p:nvSpPr>
         <p:spPr>
           <a:xfrm>
-            <a:off x="6459374" y="118895"/>
+            <a:off x="6445810" y="368143"/>
             <a:ext cx="3903825" cy="4400926"/>
           </a:xfrm>
           <a:prstGeom prst="roundRect">
@@ -3765,25 +3761,38 @@
           <a:p>
             <a:pPr algn="ctr"/>
             <a:r>
-              <a:rPr lang="en-US" sz="1600" dirty="0">
+              <a:rPr lang="en-US" sz="1200" dirty="0">
                 <a:solidFill>
                   <a:schemeClr val="bg1"/>
                 </a:solidFill>
               </a:rPr>
-              <a:t>:Address</a:t>
-            </a:r>
-          </a:p>
-          <a:p>
-            <a:pPr algn="ctr"/>
-            <a:r>
-              <a:rPr lang="en-US" sz="1600" dirty="0" err="1">
+              <a:t>:</a:t>
+            </a:r>
+            <a:r>
+              <a:rPr lang="en-US" sz="1200" dirty="0" err="1">
                 <a:solidFill>
                   <a:schemeClr val="bg1"/>
                 </a:solidFill>
               </a:rPr>
-              <a:t>BookParser</a:t>
-            </a:r>
-            <a:endParaRPr lang="en-SG" sz="1600" dirty="0">
+              <a:t>EventManager</a:t>
+            </a:r>
+            <a:endParaRPr lang="en-US" sz="1200" dirty="0">
+              <a:solidFill>
+                <a:schemeClr val="bg1"/>
+              </a:solidFill>
+            </a:endParaRPr>
+          </a:p>
+          <a:p>
+            <a:pPr algn="ctr"/>
+            <a:r>
+              <a:rPr lang="en-US" sz="1200" dirty="0">
+                <a:solidFill>
+                  <a:schemeClr val="bg1"/>
+                </a:solidFill>
+              </a:rPr>
+              <a:t>Parser</a:t>
+            </a:r>
+            <a:endParaRPr lang="en-SG" sz="1200" dirty="0">
               <a:solidFill>
                 <a:schemeClr val="bg1"/>
               </a:solidFill>
@@ -4287,7 +4296,7 @@
         <p:spPr>
           <a:xfrm>
             <a:off x="5651548" y="2748246"/>
-            <a:ext cx="1298078" cy="184666"/>
+            <a:ext cx="1298078" cy="161583"/>
           </a:xfrm>
           <a:prstGeom prst="rect">
             <a:avLst/>
@@ -4312,7 +4321,7 @@
           </a:lstStyle>
           <a:p>
             <a:r>
-              <a:rPr lang="en-US" sz="1200" dirty="0" err="1">
+              <a:rPr lang="en-US" sz="1050" dirty="0" err="1">
                 <a:solidFill>
                   <a:schemeClr val="accent4">
                     <a:lumMod val="75000"/>
@@ -4322,22 +4331,22 @@
               <a:t>undo</a:t>
             </a:r>
             <a:r>
-              <a:rPr lang="en-US" sz="1200" dirty="0" err="1">
+              <a:rPr lang="en-US" sz="1050" dirty="0" err="1">
                 <a:solidFill>
                   <a:srgbClr val="7030A0"/>
                 </a:solidFill>
               </a:rPr>
-              <a:t>AddressBook</a:t>
-            </a:r>
-            <a:r>
-              <a:rPr lang="en-US" sz="1200" dirty="0">
+              <a:t>EventManager</a:t>
+            </a:r>
+            <a:r>
+              <a:rPr lang="en-US" sz="1050" dirty="0">
                 <a:solidFill>
                   <a:srgbClr val="7030A0"/>
                 </a:solidFill>
               </a:rPr>
               <a:t>()</a:t>
             </a:r>
-            <a:endParaRPr lang="en-US" sz="1200" dirty="0"/>
+            <a:endParaRPr lang="en-US" sz="1050" dirty="0"/>
           </a:p>
         </p:txBody>
       </p:sp>
@@ -4509,7 +4518,7 @@
           <a:p>
             <a:pPr algn="ctr"/>
             <a:r>
-              <a:rPr lang="en-US" sz="1600" dirty="0">
+              <a:rPr lang="en-US" sz="1400" dirty="0">
                 <a:solidFill>
                   <a:schemeClr val="bg1"/>
                 </a:solidFill>
@@ -4517,14 +4526,14 @@
               <a:t>:</a:t>
             </a:r>
             <a:r>
-              <a:rPr lang="en-US" sz="1600" dirty="0" err="1">
+              <a:rPr lang="en-US" sz="1400" dirty="0" err="1">
                 <a:solidFill>
                   <a:schemeClr val="bg1"/>
                 </a:solidFill>
               </a:rPr>
-              <a:t>VersionedAddressBook</a:t>
-            </a:r>
-            <a:endParaRPr lang="en-SG" sz="1600" dirty="0">
+              <a:t>VersionedEventManager</a:t>
+            </a:r>
+            <a:endParaRPr lang="en-SG" sz="1400" dirty="0">
               <a:solidFill>
                 <a:schemeClr val="bg1"/>
               </a:solidFill>
@@ -5057,8 +5066,8 @@
         </p:nvSpPr>
         <p:spPr>
           <a:xfrm>
-            <a:off x="8769530" y="3267337"/>
-            <a:ext cx="2120786" cy="184666"/>
+            <a:off x="8769529" y="3267337"/>
+            <a:ext cx="2294632" cy="184666"/>
           </a:xfrm>
           <a:prstGeom prst="rect">
             <a:avLst/>
@@ -5104,7 +5113,7 @@
                   <a:srgbClr val="7030A0"/>
                 </a:solidFill>
               </a:rPr>
-              <a:t>ReadOnlyAddressBook</a:t>
+              <a:t>ReadOnlyEventManager</a:t>
             </a:r>
             <a:r>
               <a:rPr lang="en-US" sz="1200" dirty="0">

--- a/docs/diagrams/UndoRedoSequenceDiagram.pptx
+++ b/docs/diagrams/UndoRedoSequenceDiagram.pptx
@@ -126,10 +126,6 @@
 </p:presentation>
 </file>
 
-<file path=ppt/revisionInfo.xml><?xml version="1.0" encoding="utf-8"?>
-<p1510:revInfo xmlns:a="http://schemas.openxmlformats.org/drawingml/2006/main" xmlns:r="http://schemas.openxmlformats.org/officeDocument/2006/relationships" xmlns:p1510="http://schemas.microsoft.com/office/powerpoint/2015/10/main"/>
-</file>
-
 <file path=ppt/notesMasters/notesMaster1.xml><?xml version="1.0" encoding="utf-8"?>
 <p:notesMaster xmlns:a="http://schemas.openxmlformats.org/drawingml/2006/main" xmlns:r="http://schemas.openxmlformats.org/officeDocument/2006/relationships" xmlns:p="http://schemas.openxmlformats.org/presentationml/2006/main">
   <p:cSld>
@@ -212,7 +208,7 @@
           <a:p>
             <a:fld id="{F5CC4B3F-88C1-4FFA-B1B6-F41C21DC6924}" type="datetimeFigureOut">
               <a:rPr lang="en-US" smtClean="0"/>
-              <a:t>7/6/2018</a:t>
+              <a:t>11/10/2018</a:t>
             </a:fld>
             <a:endParaRPr lang="en-US"/>
           </a:p>
@@ -658,7 +654,7 @@
           <a:p>
             <a:fld id="{78C97017-6FC3-485B-9764-EAC9E56C1D49}" type="datetimeFigureOut">
               <a:rPr lang="en-US" smtClean="0"/>
-              <a:t>7/6/2018</a:t>
+              <a:t>11/10/2018</a:t>
             </a:fld>
             <a:endParaRPr lang="en-US"/>
           </a:p>
@@ -826,7 +822,7 @@
           <a:p>
             <a:fld id="{78C97017-6FC3-485B-9764-EAC9E56C1D49}" type="datetimeFigureOut">
               <a:rPr lang="en-US" smtClean="0"/>
-              <a:t>7/6/2018</a:t>
+              <a:t>11/10/2018</a:t>
             </a:fld>
             <a:endParaRPr lang="en-US"/>
           </a:p>
@@ -1004,7 +1000,7 @@
           <a:p>
             <a:fld id="{78C97017-6FC3-485B-9764-EAC9E56C1D49}" type="datetimeFigureOut">
               <a:rPr lang="en-US" smtClean="0"/>
-              <a:t>7/6/2018</a:t>
+              <a:t>11/10/2018</a:t>
             </a:fld>
             <a:endParaRPr lang="en-US"/>
           </a:p>
@@ -1172,7 +1168,7 @@
           <a:p>
             <a:fld id="{78C97017-6FC3-485B-9764-EAC9E56C1D49}" type="datetimeFigureOut">
               <a:rPr lang="en-US" smtClean="0"/>
-              <a:t>7/6/2018</a:t>
+              <a:t>11/10/2018</a:t>
             </a:fld>
             <a:endParaRPr lang="en-US"/>
           </a:p>
@@ -1417,7 +1413,7 @@
           <a:p>
             <a:fld id="{78C97017-6FC3-485B-9764-EAC9E56C1D49}" type="datetimeFigureOut">
               <a:rPr lang="en-US" smtClean="0"/>
-              <a:t>7/6/2018</a:t>
+              <a:t>11/10/2018</a:t>
             </a:fld>
             <a:endParaRPr lang="en-US"/>
           </a:p>
@@ -1702,7 +1698,7 @@
           <a:p>
             <a:fld id="{78C97017-6FC3-485B-9764-EAC9E56C1D49}" type="datetimeFigureOut">
               <a:rPr lang="en-US" smtClean="0"/>
-              <a:t>7/6/2018</a:t>
+              <a:t>11/10/2018</a:t>
             </a:fld>
             <a:endParaRPr lang="en-US"/>
           </a:p>
@@ -2121,7 +2117,7 @@
           <a:p>
             <a:fld id="{78C97017-6FC3-485B-9764-EAC9E56C1D49}" type="datetimeFigureOut">
               <a:rPr lang="en-US" smtClean="0"/>
-              <a:t>7/6/2018</a:t>
+              <a:t>11/10/2018</a:t>
             </a:fld>
             <a:endParaRPr lang="en-US"/>
           </a:p>
@@ -2238,7 +2234,7 @@
           <a:p>
             <a:fld id="{78C97017-6FC3-485B-9764-EAC9E56C1D49}" type="datetimeFigureOut">
               <a:rPr lang="en-US" smtClean="0"/>
-              <a:t>7/6/2018</a:t>
+              <a:t>11/10/2018</a:t>
             </a:fld>
             <a:endParaRPr lang="en-US"/>
           </a:p>
@@ -2333,7 +2329,7 @@
           <a:p>
             <a:fld id="{78C97017-6FC3-485B-9764-EAC9E56C1D49}" type="datetimeFigureOut">
               <a:rPr lang="en-US" smtClean="0"/>
-              <a:t>7/6/2018</a:t>
+              <a:t>11/10/2018</a:t>
             </a:fld>
             <a:endParaRPr lang="en-US"/>
           </a:p>
@@ -2608,7 +2604,7 @@
           <a:p>
             <a:fld id="{78C97017-6FC3-485B-9764-EAC9E56C1D49}" type="datetimeFigureOut">
               <a:rPr lang="en-US" smtClean="0"/>
-              <a:t>7/6/2018</a:t>
+              <a:t>11/10/2018</a:t>
             </a:fld>
             <a:endParaRPr lang="en-US"/>
           </a:p>
@@ -2860,7 +2856,7 @@
           <a:p>
             <a:fld id="{78C97017-6FC3-485B-9764-EAC9E56C1D49}" type="datetimeFigureOut">
               <a:rPr lang="en-US" smtClean="0"/>
-              <a:t>7/6/2018</a:t>
+              <a:t>11/10/2018</a:t>
             </a:fld>
             <a:endParaRPr lang="en-US"/>
           </a:p>
@@ -3071,7 +3067,7 @@
           <a:p>
             <a:fld id="{78C97017-6FC3-485B-9764-EAC9E56C1D49}" type="datetimeFigureOut">
               <a:rPr lang="en-US" smtClean="0"/>
-              <a:t>7/6/2018</a:t>
+              <a:t>11/10/2018</a:t>
             </a:fld>
             <a:endParaRPr lang="en-US"/>
           </a:p>
@@ -3454,8 +3450,8 @@
         </p:nvSpPr>
         <p:spPr>
           <a:xfrm>
-            <a:off x="6459374" y="118895"/>
-            <a:ext cx="3903825" cy="4400926"/>
+            <a:off x="6527459" y="118895"/>
+            <a:ext cx="4179622" cy="4400926"/>
           </a:xfrm>
           <a:prstGeom prst="roundRect">
             <a:avLst>
@@ -3515,8 +3511,8 @@
         </p:nvSpPr>
         <p:spPr>
           <a:xfrm>
-            <a:off x="467813" y="163018"/>
-            <a:ext cx="5863964" cy="4343400"/>
+            <a:off x="490889" y="160938"/>
+            <a:ext cx="6054917" cy="4343400"/>
           </a:xfrm>
           <a:prstGeom prst="roundRect">
             <a:avLst>
@@ -3729,8 +3725,8 @@
         </p:nvSpPr>
         <p:spPr>
           <a:xfrm>
-            <a:off x="3437188" y="423022"/>
-            <a:ext cx="1219200" cy="467684"/>
+            <a:off x="3352821" y="423022"/>
+            <a:ext cx="1371558" cy="467684"/>
           </a:xfrm>
           <a:prstGeom prst="rect">
             <a:avLst/>
@@ -3770,7 +3766,7 @@
                   <a:schemeClr val="bg1"/>
                 </a:solidFill>
               </a:rPr>
-              <a:t>:Address</a:t>
+              <a:t>:Financial</a:t>
             </a:r>
           </a:p>
           <a:p>
@@ -3781,7 +3777,7 @@
                   <a:schemeClr val="bg1"/>
                 </a:solidFill>
               </a:rPr>
-              <a:t>BookParser</a:t>
+              <a:t>PlannerParser</a:t>
             </a:r>
             <a:endParaRPr lang="en-SG" sz="1600" dirty="0">
               <a:solidFill>
@@ -4287,7 +4283,7 @@
         <p:spPr>
           <a:xfrm>
             <a:off x="5651548" y="2748246"/>
-            <a:ext cx="1298078" cy="184666"/>
+            <a:ext cx="1539114" cy="184666"/>
           </a:xfrm>
           <a:prstGeom prst="rect">
             <a:avLst/>
@@ -4327,7 +4323,7 @@
                   <a:srgbClr val="7030A0"/>
                 </a:solidFill>
               </a:rPr>
-              <a:t>AddressBook</a:t>
+              <a:t>FinancialPlanner</a:t>
             </a:r>
             <a:r>
               <a:rPr lang="en-US" sz="1200" dirty="0">
@@ -4473,8 +4469,8 @@
         </p:nvSpPr>
         <p:spPr>
           <a:xfrm>
-            <a:off x="7497155" y="2568606"/>
-            <a:ext cx="2181777" cy="335427"/>
+            <a:off x="7841036" y="2568606"/>
+            <a:ext cx="2518205" cy="335427"/>
           </a:xfrm>
           <a:prstGeom prst="rect">
             <a:avLst/>
@@ -4522,7 +4518,7 @@
                   <a:schemeClr val="bg1"/>
                 </a:solidFill>
               </a:rPr>
-              <a:t>VersionedAddressBook</a:t>
+              <a:t>VersionedFinancialPlanner</a:t>
             </a:r>
             <a:endParaRPr lang="en-SG" sz="1600" dirty="0">
               <a:solidFill>
@@ -4540,7 +4536,7 @@
         </p:nvSpPr>
         <p:spPr>
           <a:xfrm>
-            <a:off x="8514207" y="3182840"/>
+            <a:off x="8858088" y="3182840"/>
             <a:ext cx="129933" cy="398562"/>
           </a:xfrm>
           <a:prstGeom prst="rect">
@@ -4627,7 +4623,7 @@
         </p:nvSpPr>
         <p:spPr>
           <a:xfrm>
-            <a:off x="6549765" y="2362200"/>
+            <a:off x="6893646" y="2362200"/>
             <a:ext cx="841636" cy="300180"/>
           </a:xfrm>
           <a:prstGeom prst="rect">
@@ -4688,7 +4684,7 @@
         </p:nvCxnSpPr>
         <p:spPr>
           <a:xfrm flipH="1">
-            <a:off x="6986491" y="2653306"/>
+            <a:off x="7330372" y="2653306"/>
             <a:ext cx="3959" cy="1735710"/>
           </a:xfrm>
           <a:prstGeom prst="line">
@@ -4725,7 +4721,7 @@
         </p:nvSpPr>
         <p:spPr>
           <a:xfrm>
-            <a:off x="6887527" y="2958106"/>
+            <a:off x="7231408" y="2958106"/>
             <a:ext cx="168896" cy="775693"/>
           </a:xfrm>
           <a:prstGeom prst="rect">
@@ -4773,9 +4769,9 @@
           <p:nvPr/>
         </p:nvCxnSpPr>
         <p:spPr>
-          <a:xfrm>
-            <a:off x="5685755" y="2975344"/>
-            <a:ext cx="1210345" cy="0"/>
+          <a:xfrm flipV="1">
+            <a:off x="5685755" y="2958916"/>
+            <a:ext cx="1553549" cy="16428"/>
           </a:xfrm>
           <a:prstGeom prst="straightConnector1">
             <a:avLst/>
@@ -5057,8 +5053,8 @@
         </p:nvSpPr>
         <p:spPr>
           <a:xfrm>
-            <a:off x="8769530" y="3267337"/>
-            <a:ext cx="2120786" cy="184666"/>
+            <a:off x="9113410" y="3267337"/>
+            <a:ext cx="2392789" cy="184666"/>
           </a:xfrm>
           <a:prstGeom prst="rect">
             <a:avLst/>
@@ -5104,7 +5100,7 @@
                   <a:srgbClr val="7030A0"/>
                 </a:solidFill>
               </a:rPr>
-              <a:t>ReadOnlyAddressBook</a:t>
+              <a:t>ReadOnlyFinancialPlanner</a:t>
             </a:r>
             <a:r>
               <a:rPr lang="en-US" sz="1200" dirty="0">
@@ -5134,7 +5130,7 @@
         </p:nvCxnSpPr>
         <p:spPr>
           <a:xfrm>
-            <a:off x="8588043" y="2871355"/>
+            <a:off x="8931924" y="2871355"/>
             <a:ext cx="17996" cy="1467648"/>
           </a:xfrm>
           <a:prstGeom prst="line">
@@ -5171,7 +5167,7 @@
         </p:nvSpPr>
         <p:spPr>
           <a:xfrm>
-            <a:off x="7667691" y="2975344"/>
+            <a:off x="8011572" y="2975344"/>
             <a:ext cx="551687" cy="184666"/>
           </a:xfrm>
           <a:prstGeom prst="rect">
@@ -5228,7 +5224,7 @@
         </p:nvCxnSpPr>
         <p:spPr>
           <a:xfrm rot="16200000" flipH="1">
-            <a:off x="8527578" y="3220579"/>
+            <a:off x="8871459" y="3220579"/>
             <a:ext cx="156923" cy="76200"/>
           </a:xfrm>
           <a:prstGeom prst="curvedConnector4">
@@ -5269,7 +5265,7 @@
         </p:nvCxnSpPr>
         <p:spPr>
           <a:xfrm>
-            <a:off x="7043991" y="3182839"/>
+            <a:off x="7387872" y="3182839"/>
             <a:ext cx="1470216" cy="0"/>
           </a:xfrm>
           <a:prstGeom prst="straightConnector1">
@@ -5313,7 +5309,7 @@
         </p:nvCxnSpPr>
         <p:spPr>
           <a:xfrm flipV="1">
-            <a:off x="7043991" y="3564914"/>
+            <a:off x="7387872" y="3564914"/>
             <a:ext cx="1470216" cy="6325"/>
           </a:xfrm>
           <a:prstGeom prst="straightConnector1">
@@ -5360,8 +5356,8 @@
         </p:nvCxnSpPr>
         <p:spPr>
           <a:xfrm>
-            <a:off x="5675919" y="3733799"/>
-            <a:ext cx="1296056" cy="0"/>
+            <a:off x="5678282" y="3733799"/>
+            <a:ext cx="1637574" cy="0"/>
           </a:xfrm>
           <a:prstGeom prst="straightConnector1">
             <a:avLst/>

--- a/docs/diagrams/UndoRedoSequenceDiagram.pptx
+++ b/docs/diagrams/UndoRedoSequenceDiagram.pptx
@@ -126,10 +126,6 @@
 </p:presentation>
 </file>
 
-<file path=ppt/revisionInfo.xml><?xml version="1.0" encoding="utf-8"?>
-<p1510:revInfo xmlns:a="http://schemas.openxmlformats.org/drawingml/2006/main" xmlns:r="http://schemas.openxmlformats.org/officeDocument/2006/relationships" xmlns:p1510="http://schemas.microsoft.com/office/powerpoint/2015/10/main"/>
-</file>
-
 <file path=ppt/notesMasters/notesMaster1.xml><?xml version="1.0" encoding="utf-8"?>
 <p:notesMaster xmlns:a="http://schemas.openxmlformats.org/drawingml/2006/main" xmlns:r="http://schemas.openxmlformats.org/officeDocument/2006/relationships" xmlns:p="http://schemas.openxmlformats.org/presentationml/2006/main">
   <p:cSld>
@@ -212,7 +208,7 @@
           <a:p>
             <a:fld id="{F5CC4B3F-88C1-4FFA-B1B6-F41C21DC6924}" type="datetimeFigureOut">
               <a:rPr lang="en-US" smtClean="0"/>
-              <a:t>7/6/2018</a:t>
+              <a:t>11/12/2018</a:t>
             </a:fld>
             <a:endParaRPr lang="en-US"/>
           </a:p>
@@ -658,7 +654,7 @@
           <a:p>
             <a:fld id="{78C97017-6FC3-485B-9764-EAC9E56C1D49}" type="datetimeFigureOut">
               <a:rPr lang="en-US" smtClean="0"/>
-              <a:t>7/6/2018</a:t>
+              <a:t>11/12/2018</a:t>
             </a:fld>
             <a:endParaRPr lang="en-US"/>
           </a:p>
@@ -826,7 +822,7 @@
           <a:p>
             <a:fld id="{78C97017-6FC3-485B-9764-EAC9E56C1D49}" type="datetimeFigureOut">
               <a:rPr lang="en-US" smtClean="0"/>
-              <a:t>7/6/2018</a:t>
+              <a:t>11/12/2018</a:t>
             </a:fld>
             <a:endParaRPr lang="en-US"/>
           </a:p>
@@ -1004,7 +1000,7 @@
           <a:p>
             <a:fld id="{78C97017-6FC3-485B-9764-EAC9E56C1D49}" type="datetimeFigureOut">
               <a:rPr lang="en-US" smtClean="0"/>
-              <a:t>7/6/2018</a:t>
+              <a:t>11/12/2018</a:t>
             </a:fld>
             <a:endParaRPr lang="en-US"/>
           </a:p>
@@ -1172,7 +1168,7 @@
           <a:p>
             <a:fld id="{78C97017-6FC3-485B-9764-EAC9E56C1D49}" type="datetimeFigureOut">
               <a:rPr lang="en-US" smtClean="0"/>
-              <a:t>7/6/2018</a:t>
+              <a:t>11/12/2018</a:t>
             </a:fld>
             <a:endParaRPr lang="en-US"/>
           </a:p>
@@ -1417,7 +1413,7 @@
           <a:p>
             <a:fld id="{78C97017-6FC3-485B-9764-EAC9E56C1D49}" type="datetimeFigureOut">
               <a:rPr lang="en-US" smtClean="0"/>
-              <a:t>7/6/2018</a:t>
+              <a:t>11/12/2018</a:t>
             </a:fld>
             <a:endParaRPr lang="en-US"/>
           </a:p>
@@ -1702,7 +1698,7 @@
           <a:p>
             <a:fld id="{78C97017-6FC3-485B-9764-EAC9E56C1D49}" type="datetimeFigureOut">
               <a:rPr lang="en-US" smtClean="0"/>
-              <a:t>7/6/2018</a:t>
+              <a:t>11/12/2018</a:t>
             </a:fld>
             <a:endParaRPr lang="en-US"/>
           </a:p>
@@ -2121,7 +2117,7 @@
           <a:p>
             <a:fld id="{78C97017-6FC3-485B-9764-EAC9E56C1D49}" type="datetimeFigureOut">
               <a:rPr lang="en-US" smtClean="0"/>
-              <a:t>7/6/2018</a:t>
+              <a:t>11/12/2018</a:t>
             </a:fld>
             <a:endParaRPr lang="en-US"/>
           </a:p>
@@ -2238,7 +2234,7 @@
           <a:p>
             <a:fld id="{78C97017-6FC3-485B-9764-EAC9E56C1D49}" type="datetimeFigureOut">
               <a:rPr lang="en-US" smtClean="0"/>
-              <a:t>7/6/2018</a:t>
+              <a:t>11/12/2018</a:t>
             </a:fld>
             <a:endParaRPr lang="en-US"/>
           </a:p>
@@ -2333,7 +2329,7 @@
           <a:p>
             <a:fld id="{78C97017-6FC3-485B-9764-EAC9E56C1D49}" type="datetimeFigureOut">
               <a:rPr lang="en-US" smtClean="0"/>
-              <a:t>7/6/2018</a:t>
+              <a:t>11/12/2018</a:t>
             </a:fld>
             <a:endParaRPr lang="en-US"/>
           </a:p>
@@ -2608,7 +2604,7 @@
           <a:p>
             <a:fld id="{78C97017-6FC3-485B-9764-EAC9E56C1D49}" type="datetimeFigureOut">
               <a:rPr lang="en-US" smtClean="0"/>
-              <a:t>7/6/2018</a:t>
+              <a:t>11/12/2018</a:t>
             </a:fld>
             <a:endParaRPr lang="en-US"/>
           </a:p>
@@ -2860,7 +2856,7 @@
           <a:p>
             <a:fld id="{78C97017-6FC3-485B-9764-EAC9E56C1D49}" type="datetimeFigureOut">
               <a:rPr lang="en-US" smtClean="0"/>
-              <a:t>7/6/2018</a:t>
+              <a:t>11/12/2018</a:t>
             </a:fld>
             <a:endParaRPr lang="en-US"/>
           </a:p>
@@ -3071,7 +3067,7 @@
           <a:p>
             <a:fld id="{78C97017-6FC3-485B-9764-EAC9E56C1D49}" type="datetimeFigureOut">
               <a:rPr lang="en-US" smtClean="0"/>
-              <a:t>7/6/2018</a:t>
+              <a:t>11/12/2018</a:t>
             </a:fld>
             <a:endParaRPr lang="en-US"/>
           </a:p>
@@ -3454,7 +3450,7 @@
         </p:nvSpPr>
         <p:spPr>
           <a:xfrm>
-            <a:off x="6459374" y="118895"/>
+            <a:off x="6510089" y="134255"/>
             <a:ext cx="3903825" cy="4400926"/>
           </a:xfrm>
           <a:prstGeom prst="roundRect">
@@ -3717,7 +3713,7 @@
           <a:lstStyle/>
           <a:p>
             <a:pPr algn="ctr"/>
-            <a:endParaRPr lang="en-SG" sz="1400"/>
+            <a:endParaRPr lang="en-SG" sz="1400" dirty="0"/>
           </a:p>
         </p:txBody>
       </p:sp>
@@ -3770,7 +3766,7 @@
                   <a:schemeClr val="bg1"/>
                 </a:solidFill>
               </a:rPr>
-              <a:t>:Address</a:t>
+              <a:t>:Recruit</a:t>
             </a:r>
           </a:p>
           <a:p>
@@ -3873,7 +3869,7 @@
           <a:lstStyle/>
           <a:p>
             <a:pPr algn="ctr"/>
-            <a:endParaRPr lang="en-SG" sz="1400">
+            <a:endParaRPr lang="en-SG" sz="1400" dirty="0">
               <a:solidFill>
                 <a:schemeClr val="dk1"/>
               </a:solidFill>
@@ -3886,14 +3882,12 @@
           <p:cNvPr id="20" name="Straight Connector 19"/>
           <p:cNvCxnSpPr>
             <a:cxnSpLocks/>
-            <a:stCxn id="21" idx="0"/>
-            <a:endCxn id="4" idx="0"/>
           </p:cNvCxnSpPr>
           <p:nvPr/>
         </p:nvCxnSpPr>
         <p:spPr>
           <a:xfrm>
-            <a:off x="5602082" y="1613633"/>
+            <a:off x="5582793" y="1610623"/>
             <a:ext cx="0" cy="2644578"/>
           </a:xfrm>
           <a:prstGeom prst="line">
@@ -4274,7 +4268,7 @@
           <a:lstStyle/>
           <a:p>
             <a:pPr algn="ctr"/>
-            <a:endParaRPr lang="en-SG" sz="1400"/>
+            <a:endParaRPr lang="en-SG" sz="1400" dirty="0"/>
           </a:p>
         </p:txBody>
       </p:sp>
@@ -4327,7 +4321,7 @@
                   <a:srgbClr val="7030A0"/>
                 </a:solidFill>
               </a:rPr>
-              <a:t>AddressBook</a:t>
+              <a:t>RecruitBook</a:t>
             </a:r>
             <a:r>
               <a:rPr lang="en-US" sz="1200" dirty="0">
@@ -4522,7 +4516,7 @@
                   <a:schemeClr val="bg1"/>
                 </a:solidFill>
               </a:rPr>
-              <a:t>VersionedAddressBook</a:t>
+              <a:t>VersionedRecruitBook</a:t>
             </a:r>
             <a:endParaRPr lang="en-SG" sz="1600" dirty="0">
               <a:solidFill>
@@ -4540,7 +4534,7 @@
         </p:nvSpPr>
         <p:spPr>
           <a:xfrm>
-            <a:off x="8514207" y="3182840"/>
+            <a:off x="8532074" y="3182839"/>
             <a:ext cx="129933" cy="398562"/>
           </a:xfrm>
           <a:prstGeom prst="rect">
@@ -4760,7 +4754,7 @@
           <a:lstStyle/>
           <a:p>
             <a:pPr algn="ctr"/>
-            <a:endParaRPr lang="en-SG" sz="1400"/>
+            <a:endParaRPr lang="en-SG" sz="1400" dirty="0"/>
           </a:p>
         </p:txBody>
       </p:sp>
@@ -4774,8 +4768,8 @@
         </p:nvCxnSpPr>
         <p:spPr>
           <a:xfrm>
-            <a:off x="5685755" y="2975344"/>
-            <a:ext cx="1210345" cy="0"/>
+            <a:off x="5523515" y="2975344"/>
+            <a:ext cx="1372585" cy="0"/>
           </a:xfrm>
           <a:prstGeom prst="straightConnector1">
             <a:avLst/>
@@ -5058,7 +5052,7 @@
         <p:spPr>
           <a:xfrm>
             <a:off x="8769530" y="3267337"/>
-            <a:ext cx="2120786" cy="184666"/>
+            <a:ext cx="2355670" cy="369332"/>
           </a:xfrm>
           <a:prstGeom prst="rect">
             <a:avLst/>
@@ -5104,7 +5098,23 @@
                   <a:srgbClr val="7030A0"/>
                 </a:solidFill>
               </a:rPr>
-              <a:t>ReadOnlyAddressBook</a:t>
+              <a:t>ReadOnlyCandidateBook</a:t>
+            </a:r>
+            <a:r>
+              <a:rPr lang="en-US" sz="1200" dirty="0">
+                <a:solidFill>
+                  <a:srgbClr val="7030A0"/>
+                </a:solidFill>
+              </a:rPr>
+              <a:t>, </a:t>
+            </a:r>
+            <a:r>
+              <a:rPr lang="en-US" sz="1200" dirty="0" err="1">
+                <a:solidFill>
+                  <a:srgbClr val="7030A0"/>
+                </a:solidFill>
+              </a:rPr>
+              <a:t>ReadOnlyCompanyBook</a:t>
             </a:r>
             <a:r>
               <a:rPr lang="en-US" sz="1200" dirty="0">
@@ -5134,7 +5144,7 @@
         </p:nvCxnSpPr>
         <p:spPr>
           <a:xfrm>
-            <a:off x="8588043" y="2871355"/>
+            <a:off x="8579044" y="2902845"/>
             <a:ext cx="17996" cy="1467648"/>
           </a:xfrm>
           <a:prstGeom prst="line">
@@ -5171,8 +5181,8 @@
         </p:nvSpPr>
         <p:spPr>
           <a:xfrm>
-            <a:off x="7667691" y="2975344"/>
-            <a:ext cx="551687" cy="184666"/>
+            <a:off x="6960284" y="2956356"/>
+            <a:ext cx="1400109" cy="184666"/>
           </a:xfrm>
           <a:prstGeom prst="rect">
             <a:avLst/>
@@ -5200,12 +5210,12 @@
           </a:lstStyle>
           <a:p>
             <a:r>
-              <a:rPr lang="en-US" sz="1200" dirty="0">
+              <a:rPr lang="en-US" sz="1200" dirty="0" err="1">
                 <a:solidFill>
                   <a:srgbClr val="7030A0"/>
                 </a:solidFill>
               </a:rPr>
-              <a:t>undo</a:t>
+              <a:t>undoRecruitBook</a:t>
             </a:r>
             <a:r>
               <a:rPr lang="en-US" sz="1200" dirty="0">
@@ -5354,14 +5364,13 @@
           </p:cNvPr>
           <p:cNvCxnSpPr>
             <a:cxnSpLocks/>
-            <a:endCxn id="49" idx="2"/>
           </p:cNvCxnSpPr>
           <p:nvPr/>
         </p:nvCxnSpPr>
         <p:spPr>
           <a:xfrm>
             <a:off x="5675919" y="3733799"/>
-            <a:ext cx="1296056" cy="0"/>
+            <a:ext cx="1410681" cy="0"/>
           </a:xfrm>
           <a:prstGeom prst="straightConnector1">
             <a:avLst/>

--- a/docs/diagrams/UndoRedoSequenceDiagram.pptx
+++ b/docs/diagrams/UndoRedoSequenceDiagram.pptx
@@ -10,7 +10,7 @@
   <p:sldIdLst>
     <p:sldId id="267" r:id="rId2"/>
   </p:sldIdLst>
-  <p:sldSz cx="9144000" cy="6858000" type="screen4x3"/>
+  <p:sldSz cx="12192000" cy="6858000"/>
   <p:notesSz cx="6858000" cy="9144000"/>
   <p:defaultTextStyle>
     <a:defPPr>
@@ -110,12 +110,12 @@
   <p:extLst>
     <p:ext uri="{EFAFB233-063F-42B5-8137-9DF3F51BA10A}">
       <p15:sldGuideLst xmlns:p15="http://schemas.microsoft.com/office/powerpoint/2012/main">
-        <p15:guide id="1" orient="horz" pos="1488">
+        <p15:guide id="1" orient="horz" pos="1488" userDrawn="1">
           <p15:clr>
             <a:srgbClr val="A4A3A4"/>
           </p15:clr>
         </p15:guide>
-        <p15:guide id="2" pos="2880">
+        <p15:guide id="2" pos="3840" userDrawn="1">
           <p15:clr>
             <a:srgbClr val="A4A3A4"/>
           </p15:clr>
@@ -124,10 +124,6 @@
     </p:ext>
   </p:extLst>
 </p:presentation>
-</file>
-
-<file path=ppt/revisionInfo.xml><?xml version="1.0" encoding="utf-8"?>
-<p1510:revInfo xmlns:a="http://schemas.openxmlformats.org/drawingml/2006/main" xmlns:r="http://schemas.openxmlformats.org/officeDocument/2006/relationships" xmlns:p1510="http://schemas.microsoft.com/office/powerpoint/2015/10/main"/>
 </file>
 
 <file path=ppt/notesMasters/notesMaster1.xml><?xml version="1.0" encoding="utf-8"?>
@@ -212,7 +208,7 @@
           <a:p>
             <a:fld id="{F5CC4B3F-88C1-4FFA-B1B6-F41C21DC6924}" type="datetimeFigureOut">
               <a:rPr lang="en-US" smtClean="0"/>
-              <a:t>7/6/2018</a:t>
+              <a:t>11/12/2018</a:t>
             </a:fld>
             <a:endParaRPr lang="en-US"/>
           </a:p>
@@ -230,8 +226,8 @@
         </p:nvSpPr>
         <p:spPr>
           <a:xfrm>
-            <a:off x="1143000" y="685800"/>
-            <a:ext cx="4572000" cy="3429000"/>
+            <a:off x="381000" y="685800"/>
+            <a:ext cx="6096000" cy="3429000"/>
           </a:xfrm>
           <a:prstGeom prst="rect">
             <a:avLst/>
@@ -508,8 +504,8 @@
         </p:nvSpPr>
         <p:spPr>
           <a:xfrm>
-            <a:off x="685800" y="2130425"/>
-            <a:ext cx="7772400" cy="1470025"/>
+            <a:off x="914400" y="2130426"/>
+            <a:ext cx="10363200" cy="1470025"/>
           </a:xfrm>
         </p:spPr>
         <p:txBody>
@@ -535,8 +531,8 @@
         </p:nvSpPr>
         <p:spPr>
           <a:xfrm>
-            <a:off x="1371600" y="3886200"/>
-            <a:ext cx="6400800" cy="1752600"/>
+            <a:off x="1828800" y="3886200"/>
+            <a:ext cx="8534400" cy="1752600"/>
           </a:xfrm>
         </p:spPr>
         <p:txBody>
@@ -658,7 +654,7 @@
           <a:p>
             <a:fld id="{78C97017-6FC3-485B-9764-EAC9E56C1D49}" type="datetimeFigureOut">
               <a:rPr lang="en-US" smtClean="0"/>
-              <a:t>7/6/2018</a:t>
+              <a:t>11/12/2018</a:t>
             </a:fld>
             <a:endParaRPr lang="en-US"/>
           </a:p>
@@ -826,7 +822,7 @@
           <a:p>
             <a:fld id="{78C97017-6FC3-485B-9764-EAC9E56C1D49}" type="datetimeFigureOut">
               <a:rPr lang="en-US" smtClean="0"/>
-              <a:t>7/6/2018</a:t>
+              <a:t>11/12/2018</a:t>
             </a:fld>
             <a:endParaRPr lang="en-US"/>
           </a:p>
@@ -916,8 +912,8 @@
         </p:nvSpPr>
         <p:spPr>
           <a:xfrm>
-            <a:off x="6629400" y="274638"/>
-            <a:ext cx="2057400" cy="5851525"/>
+            <a:off x="8839200" y="274639"/>
+            <a:ext cx="2743200" cy="5851525"/>
           </a:xfrm>
         </p:spPr>
         <p:txBody>
@@ -943,8 +939,8 @@
         </p:nvSpPr>
         <p:spPr>
           <a:xfrm>
-            <a:off x="457200" y="274638"/>
-            <a:ext cx="6019800" cy="5851525"/>
+            <a:off x="609600" y="274639"/>
+            <a:ext cx="8026400" cy="5851525"/>
           </a:xfrm>
         </p:spPr>
         <p:txBody>
@@ -1004,7 +1000,7 @@
           <a:p>
             <a:fld id="{78C97017-6FC3-485B-9764-EAC9E56C1D49}" type="datetimeFigureOut">
               <a:rPr lang="en-US" smtClean="0"/>
-              <a:t>7/6/2018</a:t>
+              <a:t>11/12/2018</a:t>
             </a:fld>
             <a:endParaRPr lang="en-US"/>
           </a:p>
@@ -1172,7 +1168,7 @@
           <a:p>
             <a:fld id="{78C97017-6FC3-485B-9764-EAC9E56C1D49}" type="datetimeFigureOut">
               <a:rPr lang="en-US" smtClean="0"/>
-              <a:t>7/6/2018</a:t>
+              <a:t>11/12/2018</a:t>
             </a:fld>
             <a:endParaRPr lang="en-US"/>
           </a:p>
@@ -1262,8 +1258,8 @@
         </p:nvSpPr>
         <p:spPr>
           <a:xfrm>
-            <a:off x="722313" y="4406900"/>
-            <a:ext cx="7772400" cy="1362075"/>
+            <a:off x="963084" y="4406901"/>
+            <a:ext cx="10363200" cy="1362075"/>
           </a:xfrm>
         </p:spPr>
         <p:txBody>
@@ -1293,8 +1289,8 @@
         </p:nvSpPr>
         <p:spPr>
           <a:xfrm>
-            <a:off x="722313" y="2906713"/>
-            <a:ext cx="7772400" cy="1500187"/>
+            <a:off x="963084" y="2906713"/>
+            <a:ext cx="10363200" cy="1500187"/>
           </a:xfrm>
         </p:spPr>
         <p:txBody>
@@ -1417,7 +1413,7 @@
           <a:p>
             <a:fld id="{78C97017-6FC3-485B-9764-EAC9E56C1D49}" type="datetimeFigureOut">
               <a:rPr lang="en-US" smtClean="0"/>
-              <a:t>7/6/2018</a:t>
+              <a:t>11/12/2018</a:t>
             </a:fld>
             <a:endParaRPr lang="en-US"/>
           </a:p>
@@ -1529,8 +1525,8 @@
         </p:nvSpPr>
         <p:spPr>
           <a:xfrm>
-            <a:off x="457200" y="1600200"/>
-            <a:ext cx="4038600" cy="4525963"/>
+            <a:off x="609600" y="1600201"/>
+            <a:ext cx="5384800" cy="4525963"/>
           </a:xfrm>
         </p:spPr>
         <p:txBody>
@@ -1613,8 +1609,8 @@
         </p:nvSpPr>
         <p:spPr>
           <a:xfrm>
-            <a:off x="4648200" y="1600200"/>
-            <a:ext cx="4038600" cy="4525963"/>
+            <a:off x="6197600" y="1600201"/>
+            <a:ext cx="5384800" cy="4525963"/>
           </a:xfrm>
         </p:spPr>
         <p:txBody>
@@ -1702,7 +1698,7 @@
           <a:p>
             <a:fld id="{78C97017-6FC3-485B-9764-EAC9E56C1D49}" type="datetimeFigureOut">
               <a:rPr lang="en-US" smtClean="0"/>
-              <a:t>7/6/2018</a:t>
+              <a:t>11/12/2018</a:t>
             </a:fld>
             <a:endParaRPr lang="en-US"/>
           </a:p>
@@ -1818,8 +1814,8 @@
         </p:nvSpPr>
         <p:spPr>
           <a:xfrm>
-            <a:off x="457200" y="1535113"/>
-            <a:ext cx="4040188" cy="639762"/>
+            <a:off x="609600" y="1535113"/>
+            <a:ext cx="5386917" cy="639762"/>
           </a:xfrm>
         </p:spPr>
         <p:txBody>
@@ -1883,8 +1879,8 @@
         </p:nvSpPr>
         <p:spPr>
           <a:xfrm>
-            <a:off x="457200" y="2174875"/>
-            <a:ext cx="4040188" cy="3951288"/>
+            <a:off x="609600" y="2174875"/>
+            <a:ext cx="5386917" cy="3951288"/>
           </a:xfrm>
         </p:spPr>
         <p:txBody>
@@ -1967,8 +1963,8 @@
         </p:nvSpPr>
         <p:spPr>
           <a:xfrm>
-            <a:off x="4645025" y="1535113"/>
-            <a:ext cx="4041775" cy="639762"/>
+            <a:off x="6193368" y="1535113"/>
+            <a:ext cx="5389033" cy="639762"/>
           </a:xfrm>
         </p:spPr>
         <p:txBody>
@@ -2032,8 +2028,8 @@
         </p:nvSpPr>
         <p:spPr>
           <a:xfrm>
-            <a:off x="4645025" y="2174875"/>
-            <a:ext cx="4041775" cy="3951288"/>
+            <a:off x="6193368" y="2174875"/>
+            <a:ext cx="5389033" cy="3951288"/>
           </a:xfrm>
         </p:spPr>
         <p:txBody>
@@ -2121,7 +2117,7 @@
           <a:p>
             <a:fld id="{78C97017-6FC3-485B-9764-EAC9E56C1D49}" type="datetimeFigureOut">
               <a:rPr lang="en-US" smtClean="0"/>
-              <a:t>7/6/2018</a:t>
+              <a:t>11/12/2018</a:t>
             </a:fld>
             <a:endParaRPr lang="en-US"/>
           </a:p>
@@ -2238,7 +2234,7 @@
           <a:p>
             <a:fld id="{78C97017-6FC3-485B-9764-EAC9E56C1D49}" type="datetimeFigureOut">
               <a:rPr lang="en-US" smtClean="0"/>
-              <a:t>7/6/2018</a:t>
+              <a:t>11/12/2018</a:t>
             </a:fld>
             <a:endParaRPr lang="en-US"/>
           </a:p>
@@ -2333,7 +2329,7 @@
           <a:p>
             <a:fld id="{78C97017-6FC3-485B-9764-EAC9E56C1D49}" type="datetimeFigureOut">
               <a:rPr lang="en-US" smtClean="0"/>
-              <a:t>7/6/2018</a:t>
+              <a:t>11/12/2018</a:t>
             </a:fld>
             <a:endParaRPr lang="en-US"/>
           </a:p>
@@ -2423,8 +2419,8 @@
         </p:nvSpPr>
         <p:spPr>
           <a:xfrm>
-            <a:off x="457200" y="273050"/>
-            <a:ext cx="3008313" cy="1162050"/>
+            <a:off x="609601" y="273050"/>
+            <a:ext cx="4011084" cy="1162050"/>
           </a:xfrm>
         </p:spPr>
         <p:txBody>
@@ -2454,8 +2450,8 @@
         </p:nvSpPr>
         <p:spPr>
           <a:xfrm>
-            <a:off x="3575050" y="273050"/>
-            <a:ext cx="5111750" cy="5853113"/>
+            <a:off x="4766733" y="273051"/>
+            <a:ext cx="6815667" cy="5853113"/>
           </a:xfrm>
         </p:spPr>
         <p:txBody>
@@ -2538,8 +2534,8 @@
         </p:nvSpPr>
         <p:spPr>
           <a:xfrm>
-            <a:off x="457200" y="1435100"/>
-            <a:ext cx="3008313" cy="4691063"/>
+            <a:off x="609601" y="1435101"/>
+            <a:ext cx="4011084" cy="4691063"/>
           </a:xfrm>
         </p:spPr>
         <p:txBody>
@@ -2608,7 +2604,7 @@
           <a:p>
             <a:fld id="{78C97017-6FC3-485B-9764-EAC9E56C1D49}" type="datetimeFigureOut">
               <a:rPr lang="en-US" smtClean="0"/>
-              <a:t>7/6/2018</a:t>
+              <a:t>11/12/2018</a:t>
             </a:fld>
             <a:endParaRPr lang="en-US"/>
           </a:p>
@@ -2698,8 +2694,8 @@
         </p:nvSpPr>
         <p:spPr>
           <a:xfrm>
-            <a:off x="1792288" y="4800600"/>
-            <a:ext cx="5486400" cy="566738"/>
+            <a:off x="2389717" y="4800600"/>
+            <a:ext cx="7315200" cy="566738"/>
           </a:xfrm>
         </p:spPr>
         <p:txBody>
@@ -2729,8 +2725,8 @@
         </p:nvSpPr>
         <p:spPr>
           <a:xfrm>
-            <a:off x="1792288" y="612775"/>
-            <a:ext cx="5486400" cy="4114800"/>
+            <a:off x="2389717" y="612775"/>
+            <a:ext cx="7315200" cy="4114800"/>
           </a:xfrm>
         </p:spPr>
         <p:txBody>
@@ -2790,8 +2786,8 @@
         </p:nvSpPr>
         <p:spPr>
           <a:xfrm>
-            <a:off x="1792288" y="5367338"/>
-            <a:ext cx="5486400" cy="804862"/>
+            <a:off x="2389717" y="5367338"/>
+            <a:ext cx="7315200" cy="804862"/>
           </a:xfrm>
         </p:spPr>
         <p:txBody>
@@ -2860,7 +2856,7 @@
           <a:p>
             <a:fld id="{78C97017-6FC3-485B-9764-EAC9E56C1D49}" type="datetimeFigureOut">
               <a:rPr lang="en-US" smtClean="0"/>
-              <a:t>7/6/2018</a:t>
+              <a:t>11/12/2018</a:t>
             </a:fld>
             <a:endParaRPr lang="en-US"/>
           </a:p>
@@ -2955,8 +2951,8 @@
         </p:nvSpPr>
         <p:spPr>
           <a:xfrm>
-            <a:off x="457200" y="274638"/>
-            <a:ext cx="8229600" cy="1143000"/>
+            <a:off x="609600" y="274638"/>
+            <a:ext cx="10972800" cy="1143000"/>
           </a:xfrm>
           <a:prstGeom prst="rect">
             <a:avLst/>
@@ -2987,8 +2983,8 @@
         </p:nvSpPr>
         <p:spPr>
           <a:xfrm>
-            <a:off x="457200" y="1600200"/>
-            <a:ext cx="8229600" cy="4525963"/>
+            <a:off x="609600" y="1600201"/>
+            <a:ext cx="10972800" cy="4525963"/>
           </a:xfrm>
           <a:prstGeom prst="rect">
             <a:avLst/>
@@ -3048,8 +3044,8 @@
         </p:nvSpPr>
         <p:spPr>
           <a:xfrm>
-            <a:off x="457200" y="6356350"/>
-            <a:ext cx="2133600" cy="365125"/>
+            <a:off x="609600" y="6356351"/>
+            <a:ext cx="2844800" cy="365125"/>
           </a:xfrm>
           <a:prstGeom prst="rect">
             <a:avLst/>
@@ -3071,7 +3067,7 @@
           <a:p>
             <a:fld id="{78C97017-6FC3-485B-9764-EAC9E56C1D49}" type="datetimeFigureOut">
               <a:rPr lang="en-US" smtClean="0"/>
-              <a:t>7/6/2018</a:t>
+              <a:t>11/12/2018</a:t>
             </a:fld>
             <a:endParaRPr lang="en-US"/>
           </a:p>
@@ -3089,8 +3085,8 @@
         </p:nvSpPr>
         <p:spPr>
           <a:xfrm>
-            <a:off x="3124200" y="6356350"/>
-            <a:ext cx="2895600" cy="365125"/>
+            <a:off x="4165600" y="6356351"/>
+            <a:ext cx="3860800" cy="365125"/>
           </a:xfrm>
           <a:prstGeom prst="rect">
             <a:avLst/>
@@ -3126,8 +3122,8 @@
         </p:nvSpPr>
         <p:spPr>
           <a:xfrm>
-            <a:off x="6553200" y="6356350"/>
-            <a:ext cx="2133600" cy="365125"/>
+            <a:off x="8737600" y="6356351"/>
+            <a:ext cx="2844800" cy="365125"/>
           </a:xfrm>
           <a:prstGeom prst="rect">
             <a:avLst/>
@@ -3454,7 +3450,7 @@
         </p:nvSpPr>
         <p:spPr>
           <a:xfrm>
-            <a:off x="6459374" y="118895"/>
+            <a:off x="7010400" y="457200"/>
             <a:ext cx="3903825" cy="4400926"/>
           </a:xfrm>
           <a:prstGeom prst="roundRect">
@@ -3515,7 +3511,7 @@
         </p:nvSpPr>
         <p:spPr>
           <a:xfrm>
-            <a:off x="467813" y="163018"/>
+            <a:off x="1018838" y="512407"/>
             <a:ext cx="5863964" cy="4343400"/>
           </a:xfrm>
           <a:prstGeom prst="roundRect">
@@ -3576,7 +3572,7 @@
         </p:nvSpPr>
         <p:spPr>
           <a:xfrm>
-            <a:off x="883145" y="543946"/>
+            <a:off x="1493275" y="839409"/>
             <a:ext cx="1455629" cy="346760"/>
           </a:xfrm>
           <a:prstGeom prst="rect">
@@ -3645,7 +3641,7 @@
         </p:nvCxnSpPr>
         <p:spPr>
           <a:xfrm>
-            <a:off x="1610959" y="907617"/>
+            <a:off x="2221088" y="1203081"/>
             <a:ext cx="0" cy="3481399"/>
           </a:xfrm>
           <a:prstGeom prst="line">
@@ -3682,7 +3678,7 @@
         </p:nvSpPr>
         <p:spPr>
           <a:xfrm>
-            <a:off x="1538951" y="1258311"/>
+            <a:off x="2149080" y="1553775"/>
             <a:ext cx="152400" cy="2932689"/>
           </a:xfrm>
           <a:prstGeom prst="rect">
@@ -3729,7 +3725,7 @@
         </p:nvSpPr>
         <p:spPr>
           <a:xfrm>
-            <a:off x="3437188" y="423022"/>
+            <a:off x="4047317" y="718485"/>
             <a:ext cx="1219200" cy="467684"/>
           </a:xfrm>
           <a:prstGeom prst="rect">
@@ -3770,18 +3766,31 @@
                   <a:schemeClr val="bg1"/>
                 </a:solidFill>
               </a:rPr>
-              <a:t>:Address</a:t>
-            </a:r>
-          </a:p>
-          <a:p>
-            <a:pPr algn="ctr"/>
+              <a:t>:</a:t>
+            </a:r>
             <a:r>
               <a:rPr lang="en-US" sz="1600" dirty="0" err="1">
                 <a:solidFill>
                   <a:schemeClr val="bg1"/>
                 </a:solidFill>
               </a:rPr>
-              <a:t>BookParser</a:t>
+              <a:t>StockList</a:t>
+            </a:r>
+            <a:endParaRPr lang="en-US" sz="1600" dirty="0">
+              <a:solidFill>
+                <a:schemeClr val="bg1"/>
+              </a:solidFill>
+            </a:endParaRPr>
+          </a:p>
+          <a:p>
+            <a:pPr algn="ctr"/>
+            <a:r>
+              <a:rPr lang="en-US" sz="1600" dirty="0">
+                <a:solidFill>
+                  <a:schemeClr val="bg1"/>
+                </a:solidFill>
+              </a:rPr>
+              <a:t>Parser</a:t>
             </a:r>
             <a:endParaRPr lang="en-SG" sz="1600" dirty="0">
               <a:solidFill>
@@ -3801,7 +3810,7 @@
         </p:nvCxnSpPr>
         <p:spPr>
           <a:xfrm>
-            <a:off x="4050587" y="907617"/>
+            <a:off x="4660716" y="1203080"/>
             <a:ext cx="0" cy="1482984"/>
           </a:xfrm>
           <a:prstGeom prst="line">
@@ -3838,7 +3847,7 @@
         </p:nvSpPr>
         <p:spPr>
           <a:xfrm>
-            <a:off x="3978580" y="1365810"/>
+            <a:off x="4588709" y="1661273"/>
             <a:ext cx="154408" cy="767790"/>
           </a:xfrm>
           <a:prstGeom prst="rect">
@@ -3873,11 +3882,7 @@
           <a:lstStyle/>
           <a:p>
             <a:pPr algn="ctr"/>
-            <a:endParaRPr lang="en-SG" sz="1400">
-              <a:solidFill>
-                <a:schemeClr val="dk1"/>
-              </a:solidFill>
-            </a:endParaRPr>
+            <a:endParaRPr lang="en-SG" sz="1400"/>
           </a:p>
         </p:txBody>
       </p:sp>
@@ -3893,7 +3898,7 @@
         </p:nvCxnSpPr>
         <p:spPr>
           <a:xfrm>
-            <a:off x="5602082" y="1613633"/>
+            <a:off x="6212211" y="1909096"/>
             <a:ext cx="0" cy="2644578"/>
           </a:xfrm>
           <a:prstGeom prst="line">
@@ -3930,7 +3935,7 @@
         </p:nvSpPr>
         <p:spPr>
           <a:xfrm>
-            <a:off x="5525882" y="1613633"/>
+            <a:off x="6136011" y="1909097"/>
             <a:ext cx="152400" cy="276003"/>
           </a:xfrm>
           <a:prstGeom prst="rect">
@@ -3977,7 +3982,7 @@
         </p:nvCxnSpPr>
         <p:spPr>
           <a:xfrm>
-            <a:off x="419100" y="1261999"/>
+            <a:off x="1029230" y="1557462"/>
             <a:ext cx="1119851" cy="0"/>
           </a:xfrm>
           <a:prstGeom prst="straightConnector1">
@@ -4013,7 +4018,7 @@
         </p:nvSpPr>
         <p:spPr>
           <a:xfrm>
-            <a:off x="38100" y="990600"/>
+            <a:off x="648229" y="1286063"/>
             <a:ext cx="1424846" cy="215444"/>
           </a:xfrm>
           <a:prstGeom prst="rect">
@@ -4047,7 +4052,7 @@
         </p:nvCxnSpPr>
         <p:spPr>
           <a:xfrm flipV="1">
-            <a:off x="4135972" y="1512340"/>
+            <a:off x="4746101" y="1807804"/>
             <a:ext cx="922392" cy="1"/>
           </a:xfrm>
           <a:prstGeom prst="straightConnector1">
@@ -4083,7 +4088,7 @@
         </p:nvSpPr>
         <p:spPr>
           <a:xfrm>
-            <a:off x="3243421" y="2484071"/>
+            <a:off x="3853551" y="2779534"/>
             <a:ext cx="855809" cy="215444"/>
           </a:xfrm>
           <a:prstGeom prst="rect">
@@ -4123,7 +4128,7 @@
         </p:nvCxnSpPr>
         <p:spPr>
           <a:xfrm>
-            <a:off x="4109108" y="1878232"/>
+            <a:off x="4719237" y="2173695"/>
             <a:ext cx="1492974" cy="0"/>
           </a:xfrm>
           <a:prstGeom prst="straightConnector1">
@@ -4163,7 +4168,7 @@
         </p:nvCxnSpPr>
         <p:spPr>
           <a:xfrm>
-            <a:off x="1691351" y="2133600"/>
+            <a:off x="2301481" y="2429063"/>
             <a:ext cx="2348067" cy="0"/>
           </a:xfrm>
           <a:prstGeom prst="straightConnector1">
@@ -4201,7 +4206,7 @@
         </p:nvCxnSpPr>
         <p:spPr>
           <a:xfrm>
-            <a:off x="380999" y="4191000"/>
+            <a:off x="991129" y="4486463"/>
             <a:ext cx="1196051" cy="0"/>
           </a:xfrm>
           <a:prstGeom prst="straightConnector1">
@@ -4239,7 +4244,7 @@
         </p:nvSpPr>
         <p:spPr>
           <a:xfrm>
-            <a:off x="5526488" y="2731313"/>
+            <a:off x="6136617" y="3026777"/>
             <a:ext cx="161322" cy="1307285"/>
           </a:xfrm>
           <a:prstGeom prst="rect">
@@ -4286,7 +4291,7 @@
         </p:nvSpPr>
         <p:spPr>
           <a:xfrm>
-            <a:off x="5651548" y="2748246"/>
+            <a:off x="6261677" y="3043709"/>
             <a:ext cx="1298078" cy="184666"/>
           </a:xfrm>
           <a:prstGeom prst="rect">
@@ -4327,7 +4332,7 @@
                   <a:srgbClr val="7030A0"/>
                 </a:solidFill>
               </a:rPr>
-              <a:t>AddressBook</a:t>
+              <a:t>StockList</a:t>
             </a:r>
             <a:r>
               <a:rPr lang="en-US" sz="1200" dirty="0">
@@ -4349,7 +4354,7 @@
         </p:nvSpPr>
         <p:spPr>
           <a:xfrm>
-            <a:off x="1885189" y="1106150"/>
+            <a:off x="2495319" y="1401613"/>
             <a:ext cx="1899551" cy="215444"/>
           </a:xfrm>
           <a:prstGeom prst="rect">
@@ -4393,7 +4398,7 @@
         </p:nvSpPr>
         <p:spPr>
           <a:xfrm>
-            <a:off x="3272755" y="3791076"/>
+            <a:off x="3882884" y="4086539"/>
             <a:ext cx="621216" cy="215444"/>
           </a:xfrm>
           <a:prstGeom prst="rect">
@@ -4433,7 +4438,7 @@
         </p:nvSpPr>
         <p:spPr>
           <a:xfrm>
-            <a:off x="645270" y="3945901"/>
+            <a:off x="1255399" y="4241364"/>
             <a:ext cx="762000" cy="215444"/>
           </a:xfrm>
           <a:prstGeom prst="rect">
@@ -4473,7 +4478,7 @@
         </p:nvSpPr>
         <p:spPr>
           <a:xfrm>
-            <a:off x="7497155" y="2568606"/>
+            <a:off x="8107285" y="2864070"/>
             <a:ext cx="2181777" cy="335427"/>
           </a:xfrm>
           <a:prstGeom prst="rect">
@@ -4522,7 +4527,7 @@
                   <a:schemeClr val="bg1"/>
                 </a:solidFill>
               </a:rPr>
-              <a:t>VersionedAddressBook</a:t>
+              <a:t>VersionedStockList</a:t>
             </a:r>
             <a:endParaRPr lang="en-SG" sz="1600" dirty="0">
               <a:solidFill>
@@ -4540,7 +4545,7 @@
         </p:nvSpPr>
         <p:spPr>
           <a:xfrm>
-            <a:off x="8514207" y="3182840"/>
+            <a:off x="9124337" y="3478303"/>
             <a:ext cx="129933" cy="398562"/>
           </a:xfrm>
           <a:prstGeom prst="rect">
@@ -4587,7 +4592,7 @@
         </p:nvSpPr>
         <p:spPr>
           <a:xfrm>
-            <a:off x="2724792" y="1905793"/>
+            <a:off x="3334922" y="2201256"/>
             <a:ext cx="220343" cy="215444"/>
           </a:xfrm>
           <a:prstGeom prst="rect">
@@ -4627,7 +4632,7 @@
         </p:nvSpPr>
         <p:spPr>
           <a:xfrm>
-            <a:off x="6549765" y="2362200"/>
+            <a:off x="7159894" y="2657663"/>
             <a:ext cx="841636" cy="300180"/>
           </a:xfrm>
           <a:prstGeom prst="rect">
@@ -4688,7 +4693,7 @@
         </p:nvCxnSpPr>
         <p:spPr>
           <a:xfrm flipH="1">
-            <a:off x="6986491" y="2653306"/>
+            <a:off x="7596621" y="2948769"/>
             <a:ext cx="3959" cy="1735710"/>
           </a:xfrm>
           <a:prstGeom prst="line">
@@ -4725,7 +4730,7 @@
         </p:nvSpPr>
         <p:spPr>
           <a:xfrm>
-            <a:off x="6887527" y="2958106"/>
+            <a:off x="7497656" y="3253570"/>
             <a:ext cx="168896" cy="775693"/>
           </a:xfrm>
           <a:prstGeom prst="rect">
@@ -4774,7 +4779,7 @@
         </p:nvCxnSpPr>
         <p:spPr>
           <a:xfrm>
-            <a:off x="5685755" y="2975344"/>
+            <a:off x="6295885" y="3270807"/>
             <a:ext cx="1210345" cy="0"/>
           </a:xfrm>
           <a:prstGeom prst="straightConnector1">
@@ -4810,7 +4815,7 @@
         </p:nvSpPr>
         <p:spPr>
           <a:xfrm>
-            <a:off x="5472880" y="4258211"/>
+            <a:off x="6083009" y="4553674"/>
             <a:ext cx="258404" cy="261610"/>
           </a:xfrm>
           <a:prstGeom prst="rect">
@@ -4843,7 +4848,7 @@
         </p:nvSpPr>
         <p:spPr>
           <a:xfrm>
-            <a:off x="5035976" y="1260268"/>
+            <a:off x="5646106" y="1555731"/>
             <a:ext cx="1093635" cy="461538"/>
           </a:xfrm>
           <a:prstGeom prst="rect">
@@ -4925,7 +4930,7 @@
         </p:nvCxnSpPr>
         <p:spPr>
           <a:xfrm>
-            <a:off x="1691351" y="2731314"/>
+            <a:off x="2301480" y="3026778"/>
             <a:ext cx="3832164" cy="1"/>
           </a:xfrm>
           <a:prstGeom prst="straightConnector1">
@@ -4969,7 +4974,7 @@
         </p:nvCxnSpPr>
         <p:spPr>
           <a:xfrm>
-            <a:off x="1708245" y="1363918"/>
+            <a:off x="2318375" y="1659382"/>
             <a:ext cx="2256705" cy="1"/>
           </a:xfrm>
           <a:prstGeom prst="straightConnector1">
@@ -5013,7 +5018,7 @@
         </p:nvCxnSpPr>
         <p:spPr>
           <a:xfrm>
-            <a:off x="1691998" y="4036462"/>
+            <a:off x="2302128" y="4331925"/>
             <a:ext cx="3831517" cy="0"/>
           </a:xfrm>
           <a:prstGeom prst="straightConnector1">
@@ -5057,7 +5062,7 @@
         </p:nvSpPr>
         <p:spPr>
           <a:xfrm>
-            <a:off x="8769530" y="3267337"/>
+            <a:off x="9379659" y="3562800"/>
             <a:ext cx="2120786" cy="184666"/>
           </a:xfrm>
           <a:prstGeom prst="rect">
@@ -5104,7 +5109,7 @@
                   <a:srgbClr val="7030A0"/>
                 </a:solidFill>
               </a:rPr>
-              <a:t>ReadOnlyAddressBook</a:t>
+              <a:t>ReadOnlyStockList</a:t>
             </a:r>
             <a:r>
               <a:rPr lang="en-US" sz="1200" dirty="0">
@@ -5134,7 +5139,7 @@
         </p:nvCxnSpPr>
         <p:spPr>
           <a:xfrm>
-            <a:off x="8588043" y="2871355"/>
+            <a:off x="9198172" y="3166818"/>
             <a:ext cx="17996" cy="1467648"/>
           </a:xfrm>
           <a:prstGeom prst="line">
@@ -5171,7 +5176,7 @@
         </p:nvSpPr>
         <p:spPr>
           <a:xfrm>
-            <a:off x="7667691" y="2975344"/>
+            <a:off x="8277821" y="3270807"/>
             <a:ext cx="551687" cy="184666"/>
           </a:xfrm>
           <a:prstGeom prst="rect">
@@ -5228,7 +5233,7 @@
         </p:nvCxnSpPr>
         <p:spPr>
           <a:xfrm rot="16200000" flipH="1">
-            <a:off x="8527578" y="3220579"/>
+            <a:off x="9137708" y="3516042"/>
             <a:ext cx="156923" cy="76200"/>
           </a:xfrm>
           <a:prstGeom prst="curvedConnector4">
@@ -5269,7 +5274,7 @@
         </p:nvCxnSpPr>
         <p:spPr>
           <a:xfrm>
-            <a:off x="7043991" y="3182839"/>
+            <a:off x="7654120" y="3478302"/>
             <a:ext cx="1470216" cy="0"/>
           </a:xfrm>
           <a:prstGeom prst="straightConnector1">
@@ -5313,7 +5318,7 @@
         </p:nvCxnSpPr>
         <p:spPr>
           <a:xfrm flipV="1">
-            <a:off x="7043991" y="3564914"/>
+            <a:off x="7654120" y="3860378"/>
             <a:ext cx="1470216" cy="6325"/>
           </a:xfrm>
           <a:prstGeom prst="straightConnector1">
@@ -5360,7 +5365,7 @@
         </p:nvCxnSpPr>
         <p:spPr>
           <a:xfrm>
-            <a:off x="5675919" y="3733799"/>
+            <a:off x="6286048" y="4029262"/>
             <a:ext cx="1296056" cy="0"/>
           </a:xfrm>
           <a:prstGeom prst="straightConnector1">
